--- a/PPT/Mini Project for Data Science PPT.pptx
+++ b/PPT/Mini Project for Data Science PPT.pptx
@@ -5,7 +5,7 @@
     <p:sldMasterId id="2147483648" r:id="rId1"/>
   </p:sldMasterIdLst>
   <p:notesMasterIdLst>
-    <p:notesMasterId r:id="rId20"/>
+    <p:notesMasterId r:id="rId27"/>
   </p:notesMasterIdLst>
   <p:sldIdLst>
     <p:sldId id="256" r:id="rId2"/>
@@ -21,11 +21,18 @@
     <p:sldId id="265" r:id="rId12"/>
     <p:sldId id="266" r:id="rId13"/>
     <p:sldId id="267" r:id="rId14"/>
-    <p:sldId id="279" r:id="rId15"/>
-    <p:sldId id="270" r:id="rId16"/>
-    <p:sldId id="271" r:id="rId17"/>
-    <p:sldId id="275" r:id="rId18"/>
-    <p:sldId id="276" r:id="rId19"/>
+    <p:sldId id="281" r:id="rId15"/>
+    <p:sldId id="282" r:id="rId16"/>
+    <p:sldId id="283" r:id="rId17"/>
+    <p:sldId id="284" r:id="rId18"/>
+    <p:sldId id="285" r:id="rId19"/>
+    <p:sldId id="279" r:id="rId20"/>
+    <p:sldId id="270" r:id="rId21"/>
+    <p:sldId id="286" r:id="rId22"/>
+    <p:sldId id="271" r:id="rId23"/>
+    <p:sldId id="287" r:id="rId24"/>
+    <p:sldId id="275" r:id="rId25"/>
+    <p:sldId id="276" r:id="rId26"/>
   </p:sldIdLst>
   <p:sldSz cx="12192000" cy="6858000"/>
   <p:notesSz cx="6858000" cy="9144000"/>
@@ -260,7 +267,7 @@
   </p:defaultTextStyle>
   <p:extLst>
     <p:ext uri="{EFAFB233-063F-42B5-8137-9DF3F51BA10A}">
-      <p15:sldGuideLst xmlns:p15="http://schemas.microsoft.com/office/powerpoint/2012/main">
+      <p15:sldGuideLst xmlns:p15="http://schemas.microsoft.com/office/powerpoint/2012/main" xmlns="">
         <p15:guide id="1" orient="horz" pos="2160">
           <p15:clr>
             <a:srgbClr val="A4A3A4"/>
@@ -274,7 +281,7 @@
       </p15:sldGuideLst>
     </p:ext>
     <p:ext uri="GoogleSlidesCustomDataVersion2">
-      <go:slidesCustomData xmlns="" xmlns:mc="http://schemas.openxmlformats.org/markup-compatibility/2006" xmlns:mv="urn:schemas-microsoft-com:mac:vml" xmlns:c="http://schemas.openxmlformats.org/drawingml/2006/chart" xmlns:dgm="http://schemas.openxmlformats.org/drawingml/2006/diagram" xmlns:o="urn:schemas-microsoft-com:office:office" xmlns:v="urn:schemas-microsoft-com:vml" xmlns:pvml="urn:schemas-microsoft-com:office:powerpoint" xmlns:com="http://schemas.openxmlformats.org/drawingml/2006/compatibility" xmlns:p14="http://schemas.microsoft.com/office/powerpoint/2010/main" xmlns:p15="http://schemas.microsoft.com/office/powerpoint/2012/main" xmlns:ahyp="http://schemas.microsoft.com/office/drawing/2018/hyperlinkcolor" xmlns:go="http://customooxmlschemas.google.com/" r:id="rId28" roundtripDataSignature="AMtx7mjIF32KqCJfiAMDNXRPB8/RLI1+9g=="/>
+      <go:slidesCustomData xmlns:go="http://customooxmlschemas.google.com/" xmlns:ahyp="http://schemas.microsoft.com/office/drawing/2018/hyperlinkcolor" xmlns:p15="http://schemas.microsoft.com/office/powerpoint/2012/main" xmlns:p14="http://schemas.microsoft.com/office/powerpoint/2010/main" xmlns:com="http://schemas.openxmlformats.org/drawingml/2006/compatibility" xmlns:pvml="urn:schemas-microsoft-com:office:powerpoint" xmlns:v="urn:schemas-microsoft-com:vml" xmlns:o="urn:schemas-microsoft-com:office:office" xmlns:dgm="http://schemas.openxmlformats.org/drawingml/2006/diagram" xmlns:c="http://schemas.openxmlformats.org/drawingml/2006/chart" xmlns:mv="urn:schemas-microsoft-com:mac:vml" xmlns:mc="http://schemas.openxmlformats.org/markup-compatibility/2006" xmlns="" r:id="rId28" roundtripDataSignature="AMtx7mjIF32KqCJfiAMDNXRPB8/RLI1+9g=="/>
     </p:ext>
   </p:extLst>
 </p:presentation>
@@ -2119,7 +2126,7 @@
             </a:pPr>
             <a:fld id="{00000000-1234-1234-1234-123412341234}" type="slidenum">
               <a:rPr lang="en-US"/>
-              <a:t>15</a:t>
+              <a:t>20</a:t>
             </a:fld>
             <a:endParaRPr/>
           </a:p>
@@ -2270,7 +2277,7 @@
             </a:pPr>
             <a:fld id="{00000000-1234-1234-1234-123412341234}" type="slidenum">
               <a:rPr lang="en-US"/>
-              <a:t>16</a:t>
+              <a:t>22</a:t>
             </a:fld>
             <a:endParaRPr/>
           </a:p>
@@ -16800,7 +16807,7 @@
               <a:buNone/>
             </a:pPr>
             <a:r>
-              <a:rPr lang="en-US" sz="2400" b="1" i="0" u="none" strike="noStrike" cap="none" dirty="0" err="1">
+              <a:rPr lang="en-US" sz="2400" b="1" i="0" u="none" strike="noStrike" cap="none" dirty="0" err="1" smtClean="0">
                 <a:solidFill>
                   <a:srgbClr val="FF0000"/>
                 </a:solidFill>
@@ -16812,7 +16819,7 @@
               <a:t>Mrs.Thamizharasi</a:t>
             </a:r>
             <a:r>
-              <a:rPr lang="en-US" sz="2400" b="1" i="0" u="none" strike="noStrike" cap="none" dirty="0">
+              <a:rPr lang="en-US" sz="2400" b="1" i="0" u="none" strike="noStrike" cap="none" dirty="0" smtClean="0">
                 <a:solidFill>
                   <a:srgbClr val="FF0000"/>
                 </a:solidFill>
@@ -16822,6 +16829,30 @@
                 <a:sym typeface="Verdana"/>
               </a:rPr>
               <a:t> </a:t>
+            </a:r>
+            <a:r>
+              <a:rPr lang="en-US" sz="2400" b="1" i="0" u="none" strike="noStrike" cap="none" dirty="0" err="1" smtClean="0">
+                <a:solidFill>
+                  <a:srgbClr val="FF0000"/>
+                </a:solidFill>
+                <a:latin typeface="Verdana"/>
+                <a:ea typeface="Verdana"/>
+                <a:cs typeface="Verdana"/>
+                <a:sym typeface="Verdana"/>
+              </a:rPr>
+              <a:t>M.Tech</a:t>
+            </a:r>
+            <a:r>
+              <a:rPr lang="en-US" sz="2400" b="1" dirty="0" smtClean="0">
+                <a:solidFill>
+                  <a:srgbClr val="FF0000"/>
+                </a:solidFill>
+                <a:latin typeface="Verdana"/>
+                <a:ea typeface="Verdana"/>
+                <a:cs typeface="Verdana"/>
+                <a:sym typeface="Verdana"/>
+              </a:rPr>
+              <a:t>.</a:t>
             </a:r>
             <a:endParaRPr sz="2400" b="1" i="0" u="none" strike="noStrike" cap="none" dirty="0">
               <a:solidFill>
@@ -17301,14 +17332,14 @@
               <a:buNone/>
             </a:pPr>
             <a:r>
-              <a:rPr lang="en-US" dirty="0">
+              <a:rPr lang="en-US" b="1" dirty="0">
                 <a:solidFill>
                   <a:srgbClr val="FF0000"/>
                 </a:solidFill>
               </a:rPr>
               <a:t>Drawback of Existing System</a:t>
             </a:r>
-            <a:endParaRPr dirty="0">
+            <a:endParaRPr b="1" dirty="0">
               <a:solidFill>
                 <a:srgbClr val="FF0000"/>
               </a:solidFill>
@@ -17358,6 +17389,13 @@
               </a:rPr>
               <a:t>Adaptation to Technology</a:t>
             </a:r>
+            <a:r>
+              <a:rPr lang="en-US" sz="2400" dirty="0">
+                <a:latin typeface="Times New Roman" pitchFamily="18" charset="0"/>
+                <a:cs typeface="Times New Roman" pitchFamily="18" charset="0"/>
+              </a:rPr>
+              <a:t/>
+            </a:r>
             <a:br>
               <a:rPr lang="en-US" sz="2400" dirty="0">
                 <a:latin typeface="Times New Roman" pitchFamily="18" charset="0"/>
@@ -17380,6 +17418,13 @@
               </a:rPr>
               <a:t>Complex Implementation</a:t>
             </a:r>
+            <a:r>
+              <a:rPr lang="en-US" sz="2400" dirty="0">
+                <a:latin typeface="Times New Roman" pitchFamily="18" charset="0"/>
+                <a:cs typeface="Times New Roman" pitchFamily="18" charset="0"/>
+              </a:rPr>
+              <a:t/>
+            </a:r>
             <a:br>
               <a:rPr lang="en-US" sz="2400" dirty="0">
                 <a:latin typeface="Times New Roman" pitchFamily="18" charset="0"/>
@@ -17401,6 +17446,13 @@
                 <a:cs typeface="Times New Roman" pitchFamily="18" charset="0"/>
               </a:rPr>
               <a:t>Performance Issues</a:t>
+            </a:r>
+            <a:r>
+              <a:rPr lang="en-US" sz="2400" dirty="0">
+                <a:latin typeface="Times New Roman" pitchFamily="18" charset="0"/>
+                <a:cs typeface="Times New Roman" pitchFamily="18" charset="0"/>
+              </a:rPr>
+              <a:t/>
             </a:r>
             <a:br>
               <a:rPr lang="en-US" sz="2400" dirty="0">
@@ -17437,6 +17489,13 @@
                 <a:cs typeface="Times New Roman" pitchFamily="18" charset="0"/>
               </a:rPr>
               <a:t>Infrastructure Limits</a:t>
+            </a:r>
+            <a:r>
+              <a:rPr lang="en-US" sz="2400" dirty="0">
+                <a:latin typeface="Times New Roman" pitchFamily="18" charset="0"/>
+                <a:cs typeface="Times New Roman" pitchFamily="18" charset="0"/>
+              </a:rPr>
+              <a:t/>
             </a:r>
             <a:br>
               <a:rPr lang="en-US" sz="2400" dirty="0">
@@ -17681,14 +17740,14 @@
               <a:buNone/>
             </a:pPr>
             <a:r>
-              <a:rPr lang="en-US" dirty="0">
+              <a:rPr lang="en-US" b="1" dirty="0">
                 <a:solidFill>
                   <a:srgbClr val="FF0000"/>
                 </a:solidFill>
               </a:rPr>
               <a:t>Proposed System</a:t>
             </a:r>
-            <a:endParaRPr dirty="0">
+            <a:endParaRPr b="1" dirty="0">
               <a:solidFill>
                 <a:srgbClr val="FF0000"/>
               </a:solidFill>
@@ -17732,6 +17791,13 @@
               </a:rPr>
               <a:t>Quantum-Resistant</a:t>
             </a:r>
+            <a:r>
+              <a:rPr lang="en-US" sz="2400" dirty="0">
+                <a:latin typeface="Times New Roman" pitchFamily="18" charset="0"/>
+                <a:cs typeface="Times New Roman" pitchFamily="18" charset="0"/>
+              </a:rPr>
+              <a:t/>
+            </a:r>
             <a:br>
               <a:rPr lang="en-US" sz="2400" dirty="0">
                 <a:latin typeface="Times New Roman" pitchFamily="18" charset="0"/>
@@ -17753,6 +17819,13 @@
                 <a:cs typeface="Times New Roman" pitchFamily="18" charset="0"/>
               </a:rPr>
               <a:t>Automated Key Generation</a:t>
+            </a:r>
+            <a:r>
+              <a:rPr lang="en-US" sz="2400" dirty="0">
+                <a:latin typeface="Times New Roman" pitchFamily="18" charset="0"/>
+                <a:cs typeface="Times New Roman" pitchFamily="18" charset="0"/>
+              </a:rPr>
+              <a:t/>
             </a:r>
             <a:br>
               <a:rPr lang="en-US" sz="2400" dirty="0">
@@ -17776,6 +17849,13 @@
               </a:rPr>
               <a:t>Seamless Integration</a:t>
             </a:r>
+            <a:r>
+              <a:rPr lang="en-US" sz="2400" dirty="0">
+                <a:latin typeface="Times New Roman" pitchFamily="18" charset="0"/>
+                <a:cs typeface="Times New Roman" pitchFamily="18" charset="0"/>
+              </a:rPr>
+              <a:t/>
+            </a:r>
             <a:br>
               <a:rPr lang="en-US" sz="2400" dirty="0">
                 <a:latin typeface="Times New Roman" pitchFamily="18" charset="0"/>
@@ -17798,6 +17878,13 @@
               </a:rPr>
               <a:t>Scalable Design</a:t>
             </a:r>
+            <a:r>
+              <a:rPr lang="en-US" sz="2400" dirty="0">
+                <a:latin typeface="Times New Roman" pitchFamily="18" charset="0"/>
+                <a:cs typeface="Times New Roman" pitchFamily="18" charset="0"/>
+              </a:rPr>
+              <a:t/>
+            </a:r>
             <a:br>
               <a:rPr lang="en-US" sz="2400" dirty="0">
                 <a:latin typeface="Times New Roman" pitchFamily="18" charset="0"/>
@@ -17819,6 +17906,13 @@
                 <a:cs typeface="Times New Roman" pitchFamily="18" charset="0"/>
               </a:rPr>
               <a:t>Optimized Performance</a:t>
+            </a:r>
+            <a:r>
+              <a:rPr lang="en-US" sz="2400" dirty="0">
+                <a:latin typeface="Times New Roman" pitchFamily="18" charset="0"/>
+                <a:cs typeface="Times New Roman" pitchFamily="18" charset="0"/>
+              </a:rPr>
+              <a:t/>
             </a:r>
             <a:br>
               <a:rPr lang="en-US" sz="2400" dirty="0">
@@ -18054,10 +18148,18 @@
               <a:buNone/>
             </a:pPr>
             <a:r>
-              <a:rPr lang="en-US"/>
+              <a:rPr lang="en-US" b="1" dirty="0">
+                <a:solidFill>
+                  <a:srgbClr val="FF0000"/>
+                </a:solidFill>
+              </a:rPr>
               <a:t>System Architecture</a:t>
             </a:r>
-            <a:endParaRPr/>
+            <a:endParaRPr b="1" dirty="0">
+              <a:solidFill>
+                <a:srgbClr val="FF0000"/>
+              </a:solidFill>
+            </a:endParaRPr>
           </a:p>
         </p:txBody>
       </p:sp>
@@ -18280,7 +18382,7 @@
           <p:cNvPr id="2" name="Rectangle 1">
             <a:extLst>
               <a:ext uri="{FF2B5EF4-FFF2-40B4-BE49-F238E27FC236}">
-                <a16:creationId xmlns:a16="http://schemas.microsoft.com/office/drawing/2014/main" id="{8FA44282-C2FD-01B0-DCB7-C224A611A735}"/>
+                <a16:creationId xmlns:a16="http://schemas.microsoft.com/office/drawing/2014/main" xmlns="" id="{8FA44282-C2FD-01B0-DCB7-C224A611A735}"/>
               </a:ext>
             </a:extLst>
           </p:cNvPr>
@@ -18327,7 +18429,7 @@
           <p:cNvPr id="3" name="Rectangle 2">
             <a:extLst>
               <a:ext uri="{FF2B5EF4-FFF2-40B4-BE49-F238E27FC236}">
-                <a16:creationId xmlns:a16="http://schemas.microsoft.com/office/drawing/2014/main" id="{43E71B42-17FB-A01F-82BA-F7132BC083F4}"/>
+                <a16:creationId xmlns:a16="http://schemas.microsoft.com/office/drawing/2014/main" xmlns="" id="{43E71B42-17FB-A01F-82BA-F7132BC083F4}"/>
               </a:ext>
             </a:extLst>
           </p:cNvPr>
@@ -18374,7 +18476,7 @@
           <p:cNvPr id="5" name="Straight Arrow Connector 4">
             <a:extLst>
               <a:ext uri="{FF2B5EF4-FFF2-40B4-BE49-F238E27FC236}">
-                <a16:creationId xmlns:a16="http://schemas.microsoft.com/office/drawing/2014/main" id="{2C6B28FD-7774-5178-CF1C-BD93365D0A4D}"/>
+                <a16:creationId xmlns:a16="http://schemas.microsoft.com/office/drawing/2014/main" xmlns="" id="{2C6B28FD-7774-5178-CF1C-BD93365D0A4D}"/>
               </a:ext>
             </a:extLst>
           </p:cNvPr>
@@ -18416,7 +18518,7 @@
           <p:cNvPr id="8" name="Straight Arrow Connector 7">
             <a:extLst>
               <a:ext uri="{FF2B5EF4-FFF2-40B4-BE49-F238E27FC236}">
-                <a16:creationId xmlns:a16="http://schemas.microsoft.com/office/drawing/2014/main" id="{E643E4AD-D6E8-62EC-AC7B-15CB993BB322}"/>
+                <a16:creationId xmlns:a16="http://schemas.microsoft.com/office/drawing/2014/main" xmlns="" id="{E643E4AD-D6E8-62EC-AC7B-15CB993BB322}"/>
               </a:ext>
             </a:extLst>
           </p:cNvPr>
@@ -18460,7 +18562,7 @@
           <p:cNvPr id="9" name="Straight Arrow Connector 8">
             <a:extLst>
               <a:ext uri="{FF2B5EF4-FFF2-40B4-BE49-F238E27FC236}">
-                <a16:creationId xmlns:a16="http://schemas.microsoft.com/office/drawing/2014/main" id="{6DA5B0B3-A99B-B6E2-B7C9-67AC610D995F}"/>
+                <a16:creationId xmlns:a16="http://schemas.microsoft.com/office/drawing/2014/main" xmlns="" id="{6DA5B0B3-A99B-B6E2-B7C9-67AC610D995F}"/>
               </a:ext>
             </a:extLst>
           </p:cNvPr>
@@ -18567,14 +18669,14 @@
               <a:buNone/>
             </a:pPr>
             <a:r>
-              <a:rPr lang="en-US" dirty="0">
+              <a:rPr lang="en-US" b="1" dirty="0">
                 <a:solidFill>
                   <a:srgbClr val="FF0000"/>
                 </a:solidFill>
               </a:rPr>
               <a:t>List of modules</a:t>
             </a:r>
-            <a:endParaRPr dirty="0">
+            <a:endParaRPr b="1" dirty="0">
               <a:solidFill>
                 <a:srgbClr val="FF0000"/>
               </a:solidFill>
@@ -18618,7 +18720,11 @@
             </a:pPr>
             <a:r>
               <a:rPr lang="en-IN" sz="2800" dirty="0"/>
-              <a:t>Setting Up Key Generation</a:t>
+              <a:t>Setting Up Key </a:t>
+            </a:r>
+            <a:r>
+              <a:rPr lang="en-IN" sz="2800" dirty="0" smtClean="0"/>
+              <a:t>Generation</a:t>
             </a:r>
           </a:p>
           <a:p>
@@ -18627,9 +18733,25 @@
                 <a:spcPts val="0"/>
               </a:spcBef>
             </a:pPr>
+            <a:endParaRPr lang="en-IN" sz="2800" dirty="0"/>
+          </a:p>
+          <a:p>
+            <a:pPr lvl="0">
+              <a:spcBef>
+                <a:spcPts val="0"/>
+              </a:spcBef>
+            </a:pPr>
+            <a:r>
+              <a:rPr lang="en-IN" sz="2800" dirty="0" smtClean="0"/>
+              <a:t>Encrypting </a:t>
+            </a:r>
             <a:r>
               <a:rPr lang="en-IN" sz="2800" dirty="0"/>
-              <a:t>Uploading File for Encryption</a:t>
+              <a:t>the </a:t>
+            </a:r>
+            <a:r>
+              <a:rPr lang="en-IN" sz="2800" dirty="0" smtClean="0"/>
+              <a:t>File</a:t>
             </a:r>
           </a:p>
           <a:p>
@@ -18638,9 +18760,21 @@
                 <a:spcPts val="0"/>
               </a:spcBef>
             </a:pPr>
+            <a:endParaRPr lang="en-IN" sz="2800" dirty="0"/>
+          </a:p>
+          <a:p>
+            <a:pPr lvl="0">
+              <a:spcBef>
+                <a:spcPts val="0"/>
+              </a:spcBef>
+            </a:pPr>
             <a:r>
               <a:rPr lang="en-IN" sz="2800" dirty="0"/>
-              <a:t>Encrypting the File</a:t>
+              <a:t>Signing the Encrypted </a:t>
+            </a:r>
+            <a:r>
+              <a:rPr lang="en-IN" sz="2800" dirty="0" smtClean="0"/>
+              <a:t>File</a:t>
             </a:r>
           </a:p>
           <a:p>
@@ -18649,9 +18783,25 @@
                 <a:spcPts val="0"/>
               </a:spcBef>
             </a:pPr>
+            <a:endParaRPr lang="en-IN" sz="2800" dirty="0"/>
+          </a:p>
+          <a:p>
+            <a:pPr lvl="0">
+              <a:spcBef>
+                <a:spcPts val="0"/>
+              </a:spcBef>
+            </a:pPr>
+            <a:r>
+              <a:rPr lang="en-IN" sz="2800" dirty="0" smtClean="0"/>
+              <a:t>Decrypting </a:t>
+            </a:r>
             <a:r>
               <a:rPr lang="en-IN" sz="2800" dirty="0"/>
-              <a:t>Signing the Encrypted File</a:t>
+              <a:t>the </a:t>
+            </a:r>
+            <a:r>
+              <a:rPr lang="en-IN" sz="2800" dirty="0" smtClean="0"/>
+              <a:t>File</a:t>
             </a:r>
           </a:p>
           <a:p>
@@ -18660,32 +18810,7 @@
                 <a:spcPts val="0"/>
               </a:spcBef>
             </a:pPr>
-            <a:r>
-              <a:rPr lang="en-US" sz="2800" dirty="0"/>
-              <a:t>Uploading Encrypted File and Signature for Verification</a:t>
-            </a:r>
-          </a:p>
-          <a:p>
-            <a:pPr lvl="0">
-              <a:spcBef>
-                <a:spcPts val="0"/>
-              </a:spcBef>
-            </a:pPr>
-            <a:r>
-              <a:rPr lang="en-IN" sz="2800" dirty="0"/>
-              <a:t>Verifying the Signature</a:t>
-            </a:r>
-          </a:p>
-          <a:p>
-            <a:pPr lvl="0">
-              <a:spcBef>
-                <a:spcPts val="0"/>
-              </a:spcBef>
-            </a:pPr>
-            <a:r>
-              <a:rPr lang="en-IN" sz="2800" dirty="0"/>
-              <a:t>Decrypting the File</a:t>
-            </a:r>
+            <a:endParaRPr lang="en-IN" sz="2800" dirty="0"/>
           </a:p>
           <a:p>
             <a:pPr lvl="0">
@@ -18860,6 +18985,787 @@
 </file>
 
 <file path=ppt/slides/slide14.xml><?xml version="1.0" encoding="utf-8"?>
+<p:sld xmlns:a="http://schemas.openxmlformats.org/drawingml/2006/main" xmlns:r="http://schemas.openxmlformats.org/officeDocument/2006/relationships" xmlns:p="http://schemas.openxmlformats.org/presentationml/2006/main">
+  <p:cSld>
+    <p:spTree>
+      <p:nvGrpSpPr>
+        <p:cNvPr id="1" name=""/>
+        <p:cNvGrpSpPr/>
+        <p:nvPr/>
+      </p:nvGrpSpPr>
+      <p:grpSpPr>
+        <a:xfrm>
+          <a:off x="0" y="0"/>
+          <a:ext cx="0" cy="0"/>
+          <a:chOff x="0" y="0"/>
+          <a:chExt cx="0" cy="0"/>
+        </a:xfrm>
+      </p:grpSpPr>
+      <p:sp>
+        <p:nvSpPr>
+          <p:cNvPr id="2" name="Title 1"/>
+          <p:cNvSpPr>
+            <a:spLocks noGrp="1"/>
+          </p:cNvSpPr>
+          <p:nvPr>
+            <p:ph type="title"/>
+          </p:nvPr>
+        </p:nvSpPr>
+        <p:spPr>
+          <a:xfrm>
+            <a:off x="750191" y="802106"/>
+            <a:ext cx="10668000" cy="1216025"/>
+          </a:xfrm>
+        </p:spPr>
+        <p:txBody>
+          <a:bodyPr/>
+          <a:lstStyle/>
+          <a:p>
+            <a:pPr lvl="0"/>
+            <a:r>
+              <a:rPr lang="en-IN" sz="4000" b="1" dirty="0">
+                <a:solidFill>
+                  <a:srgbClr val="FF0000"/>
+                </a:solidFill>
+              </a:rPr>
+              <a:t>Setting Up Key Generation</a:t>
+            </a:r>
+            <a:br>
+              <a:rPr lang="en-IN" sz="4000" b="1" dirty="0">
+                <a:solidFill>
+                  <a:srgbClr val="FF0000"/>
+                </a:solidFill>
+              </a:rPr>
+            </a:br>
+            <a:endParaRPr lang="en-IN" b="1" dirty="0">
+              <a:solidFill>
+                <a:srgbClr val="FF0000"/>
+              </a:solidFill>
+            </a:endParaRPr>
+          </a:p>
+        </p:txBody>
+      </p:sp>
+      <p:sp>
+        <p:nvSpPr>
+          <p:cNvPr id="3" name="Text Placeholder 2"/>
+          <p:cNvSpPr>
+            <a:spLocks noGrp="1"/>
+          </p:cNvSpPr>
+          <p:nvPr>
+            <p:ph type="body" idx="1"/>
+          </p:nvPr>
+        </p:nvSpPr>
+        <p:spPr>
+          <a:xfrm>
+            <a:off x="723567" y="2121568"/>
+            <a:ext cx="10668000" cy="4267200"/>
+          </a:xfrm>
+        </p:spPr>
+        <p:txBody>
+          <a:bodyPr/>
+          <a:lstStyle/>
+          <a:p>
+            <a:r>
+              <a:rPr lang="en-US" dirty="0"/>
+              <a:t>User provides name and email to generate RSA key pair</a:t>
+            </a:r>
+            <a:r>
+              <a:rPr lang="en-US" dirty="0" smtClean="0"/>
+              <a:t>.</a:t>
+            </a:r>
+          </a:p>
+          <a:p>
+            <a:r>
+              <a:rPr lang="en-US" dirty="0" smtClean="0"/>
+              <a:t>Utilizes </a:t>
+            </a:r>
+            <a:r>
+              <a:rPr lang="en-US" dirty="0"/>
+              <a:t>4096-bit encryption for strong security</a:t>
+            </a:r>
+            <a:r>
+              <a:rPr lang="en-US" dirty="0" smtClean="0"/>
+              <a:t>.</a:t>
+            </a:r>
+          </a:p>
+          <a:p>
+            <a:r>
+              <a:rPr lang="en-US" dirty="0" smtClean="0"/>
+              <a:t>Key </a:t>
+            </a:r>
+            <a:r>
+              <a:rPr lang="en-US" dirty="0"/>
+              <a:t>stored securely for encryption/decryption processes.</a:t>
+            </a:r>
+            <a:endParaRPr lang="en-IN" dirty="0"/>
+          </a:p>
+        </p:txBody>
+      </p:sp>
+      <p:sp>
+        <p:nvSpPr>
+          <p:cNvPr id="4" name="Slide Number Placeholder 3"/>
+          <p:cNvSpPr>
+            <a:spLocks noGrp="1"/>
+          </p:cNvSpPr>
+          <p:nvPr>
+            <p:ph type="sldNum" idx="12"/>
+          </p:nvPr>
+        </p:nvSpPr>
+        <p:spPr/>
+        <p:txBody>
+          <a:bodyPr/>
+          <a:lstStyle/>
+          <a:p>
+            <a:pPr marL="0" lvl="0" indent="0" algn="r" rtl="0">
+              <a:spcBef>
+                <a:spcPts val="0"/>
+              </a:spcBef>
+              <a:spcAft>
+                <a:spcPts val="0"/>
+              </a:spcAft>
+              <a:buNone/>
+            </a:pPr>
+            <a:fld id="{00000000-1234-1234-1234-123412341234}" type="slidenum">
+              <a:rPr lang="en-US" smtClean="0"/>
+              <a:t>14</a:t>
+            </a:fld>
+            <a:endParaRPr lang="en-US"/>
+          </a:p>
+        </p:txBody>
+      </p:sp>
+    </p:spTree>
+    <p:extLst>
+      <p:ext uri="{BB962C8B-B14F-4D97-AF65-F5344CB8AC3E}">
+        <p14:creationId xmlns:p14="http://schemas.microsoft.com/office/powerpoint/2010/main" val="1099196376"/>
+      </p:ext>
+    </p:extLst>
+  </p:cSld>
+  <p:clrMapOvr>
+    <a:masterClrMapping/>
+  </p:clrMapOvr>
+</p:sld>
+</file>
+
+<file path=ppt/slides/slide15.xml><?xml version="1.0" encoding="utf-8"?>
+<p:sld xmlns:a="http://schemas.openxmlformats.org/drawingml/2006/main" xmlns:r="http://schemas.openxmlformats.org/officeDocument/2006/relationships" xmlns:p="http://schemas.openxmlformats.org/presentationml/2006/main">
+  <p:cSld>
+    <p:spTree>
+      <p:nvGrpSpPr>
+        <p:cNvPr id="1" name=""/>
+        <p:cNvGrpSpPr/>
+        <p:nvPr/>
+      </p:nvGrpSpPr>
+      <p:grpSpPr>
+        <a:xfrm>
+          <a:off x="0" y="0"/>
+          <a:ext cx="0" cy="0"/>
+          <a:chOff x="0" y="0"/>
+          <a:chExt cx="0" cy="0"/>
+        </a:xfrm>
+      </p:grpSpPr>
+      <p:sp>
+        <p:nvSpPr>
+          <p:cNvPr id="2" name="Title 1"/>
+          <p:cNvSpPr>
+            <a:spLocks noGrp="1"/>
+          </p:cNvSpPr>
+          <p:nvPr>
+            <p:ph type="title"/>
+          </p:nvPr>
+        </p:nvSpPr>
+        <p:spPr>
+          <a:xfrm>
+            <a:off x="766233" y="850233"/>
+            <a:ext cx="10668000" cy="1216025"/>
+          </a:xfrm>
+        </p:spPr>
+        <p:txBody>
+          <a:bodyPr/>
+          <a:lstStyle/>
+          <a:p>
+            <a:pPr lvl="0"/>
+            <a:r>
+              <a:rPr lang="en-IN" sz="4000" b="1" dirty="0">
+                <a:solidFill>
+                  <a:srgbClr val="FF0000"/>
+                </a:solidFill>
+              </a:rPr>
+              <a:t>Encrypting the File</a:t>
+            </a:r>
+            <a:br>
+              <a:rPr lang="en-IN" sz="4000" b="1" dirty="0">
+                <a:solidFill>
+                  <a:srgbClr val="FF0000"/>
+                </a:solidFill>
+              </a:rPr>
+            </a:br>
+            <a:endParaRPr lang="en-IN" b="1" dirty="0">
+              <a:solidFill>
+                <a:srgbClr val="FF0000"/>
+              </a:solidFill>
+            </a:endParaRPr>
+          </a:p>
+        </p:txBody>
+      </p:sp>
+      <p:sp>
+        <p:nvSpPr>
+          <p:cNvPr id="3" name="Text Placeholder 2"/>
+          <p:cNvSpPr>
+            <a:spLocks noGrp="1"/>
+          </p:cNvSpPr>
+          <p:nvPr>
+            <p:ph type="body" idx="1"/>
+          </p:nvPr>
+        </p:nvSpPr>
+        <p:spPr>
+          <a:xfrm>
+            <a:off x="723567" y="2057400"/>
+            <a:ext cx="10668000" cy="4267200"/>
+          </a:xfrm>
+        </p:spPr>
+        <p:txBody>
+          <a:bodyPr/>
+          <a:lstStyle/>
+          <a:p>
+            <a:r>
+              <a:rPr lang="en-US" dirty="0"/>
+              <a:t>Files are encrypted using the recipient's public key</a:t>
+            </a:r>
+            <a:r>
+              <a:rPr lang="en-US" dirty="0" smtClean="0"/>
+              <a:t>.</a:t>
+            </a:r>
+          </a:p>
+          <a:p>
+            <a:r>
+              <a:rPr lang="en-US" dirty="0" smtClean="0"/>
+              <a:t>Ensures </a:t>
+            </a:r>
+            <a:r>
+              <a:rPr lang="en-US" dirty="0"/>
+              <a:t>only the intended recipient can decrypt the data</a:t>
+            </a:r>
+            <a:r>
+              <a:rPr lang="en-US" dirty="0" smtClean="0"/>
+              <a:t>.</a:t>
+            </a:r>
+          </a:p>
+          <a:p>
+            <a:r>
+              <a:rPr lang="en-US" dirty="0" smtClean="0"/>
+              <a:t>Safeguards </a:t>
+            </a:r>
+            <a:r>
+              <a:rPr lang="en-US" dirty="0"/>
+              <a:t>sensitive information during transmission.</a:t>
+            </a:r>
+            <a:endParaRPr lang="en-IN" dirty="0"/>
+          </a:p>
+        </p:txBody>
+      </p:sp>
+      <p:sp>
+        <p:nvSpPr>
+          <p:cNvPr id="4" name="Slide Number Placeholder 3"/>
+          <p:cNvSpPr>
+            <a:spLocks noGrp="1"/>
+          </p:cNvSpPr>
+          <p:nvPr>
+            <p:ph type="sldNum" idx="12"/>
+          </p:nvPr>
+        </p:nvSpPr>
+        <p:spPr/>
+        <p:txBody>
+          <a:bodyPr/>
+          <a:lstStyle/>
+          <a:p>
+            <a:pPr marL="0" lvl="0" indent="0" algn="r" rtl="0">
+              <a:spcBef>
+                <a:spcPts val="0"/>
+              </a:spcBef>
+              <a:spcAft>
+                <a:spcPts val="0"/>
+              </a:spcAft>
+              <a:buNone/>
+            </a:pPr>
+            <a:fld id="{00000000-1234-1234-1234-123412341234}" type="slidenum">
+              <a:rPr lang="en-US" smtClean="0"/>
+              <a:t>15</a:t>
+            </a:fld>
+            <a:endParaRPr lang="en-US"/>
+          </a:p>
+        </p:txBody>
+      </p:sp>
+    </p:spTree>
+    <p:extLst>
+      <p:ext uri="{BB962C8B-B14F-4D97-AF65-F5344CB8AC3E}">
+        <p14:creationId xmlns:p14="http://schemas.microsoft.com/office/powerpoint/2010/main" val="1942059844"/>
+      </p:ext>
+    </p:extLst>
+  </p:cSld>
+  <p:clrMapOvr>
+    <a:masterClrMapping/>
+  </p:clrMapOvr>
+</p:sld>
+</file>
+
+<file path=ppt/slides/slide16.xml><?xml version="1.0" encoding="utf-8"?>
+<p:sld xmlns:a="http://schemas.openxmlformats.org/drawingml/2006/main" xmlns:r="http://schemas.openxmlformats.org/officeDocument/2006/relationships" xmlns:p="http://schemas.openxmlformats.org/presentationml/2006/main">
+  <p:cSld>
+    <p:spTree>
+      <p:nvGrpSpPr>
+        <p:cNvPr id="1" name=""/>
+        <p:cNvGrpSpPr/>
+        <p:nvPr/>
+      </p:nvGrpSpPr>
+      <p:grpSpPr>
+        <a:xfrm>
+          <a:off x="0" y="0"/>
+          <a:ext cx="0" cy="0"/>
+          <a:chOff x="0" y="0"/>
+          <a:chExt cx="0" cy="0"/>
+        </a:xfrm>
+      </p:grpSpPr>
+      <p:sp>
+        <p:nvSpPr>
+          <p:cNvPr id="2" name="Title 1"/>
+          <p:cNvSpPr>
+            <a:spLocks noGrp="1"/>
+          </p:cNvSpPr>
+          <p:nvPr>
+            <p:ph type="title"/>
+          </p:nvPr>
+        </p:nvSpPr>
+        <p:spPr>
+          <a:xfrm>
+            <a:off x="782275" y="818149"/>
+            <a:ext cx="10668000" cy="1216025"/>
+          </a:xfrm>
+        </p:spPr>
+        <p:txBody>
+          <a:bodyPr/>
+          <a:lstStyle/>
+          <a:p>
+            <a:pPr lvl="0"/>
+            <a:r>
+              <a:rPr lang="en-IN" sz="4000" b="1" dirty="0">
+                <a:solidFill>
+                  <a:srgbClr val="FF0000"/>
+                </a:solidFill>
+              </a:rPr>
+              <a:t>Signing the Encrypted File</a:t>
+            </a:r>
+            <a:br>
+              <a:rPr lang="en-IN" sz="4000" b="1" dirty="0">
+                <a:solidFill>
+                  <a:srgbClr val="FF0000"/>
+                </a:solidFill>
+              </a:rPr>
+            </a:br>
+            <a:endParaRPr lang="en-IN" b="1" dirty="0">
+              <a:solidFill>
+                <a:srgbClr val="FF0000"/>
+              </a:solidFill>
+            </a:endParaRPr>
+          </a:p>
+        </p:txBody>
+      </p:sp>
+      <p:sp>
+        <p:nvSpPr>
+          <p:cNvPr id="3" name="Text Placeholder 2"/>
+          <p:cNvSpPr>
+            <a:spLocks noGrp="1"/>
+          </p:cNvSpPr>
+          <p:nvPr>
+            <p:ph type="body" idx="1"/>
+          </p:nvPr>
+        </p:nvSpPr>
+        <p:spPr/>
+        <p:txBody>
+          <a:bodyPr/>
+          <a:lstStyle/>
+          <a:p>
+            <a:r>
+              <a:rPr lang="en-US" dirty="0"/>
+              <a:t>Sender signs the encrypted file with their private key</a:t>
+            </a:r>
+            <a:r>
+              <a:rPr lang="en-US" dirty="0" smtClean="0"/>
+              <a:t>.</a:t>
+            </a:r>
+          </a:p>
+          <a:p>
+            <a:r>
+              <a:rPr lang="en-US" dirty="0" smtClean="0"/>
+              <a:t>Adds </a:t>
+            </a:r>
+            <a:r>
+              <a:rPr lang="en-US" dirty="0"/>
+              <a:t>a digital signature to ensure authenticity and integrity</a:t>
+            </a:r>
+            <a:r>
+              <a:rPr lang="en-US" dirty="0" smtClean="0"/>
+              <a:t>.</a:t>
+            </a:r>
+          </a:p>
+          <a:p>
+            <a:r>
+              <a:rPr lang="en-US" dirty="0" smtClean="0"/>
+              <a:t>Recipients </a:t>
+            </a:r>
+            <a:r>
+              <a:rPr lang="en-US" dirty="0"/>
+              <a:t>can verify the sender's identity.</a:t>
+            </a:r>
+            <a:endParaRPr lang="en-IN" dirty="0"/>
+          </a:p>
+        </p:txBody>
+      </p:sp>
+      <p:sp>
+        <p:nvSpPr>
+          <p:cNvPr id="4" name="Slide Number Placeholder 3"/>
+          <p:cNvSpPr>
+            <a:spLocks noGrp="1"/>
+          </p:cNvSpPr>
+          <p:nvPr>
+            <p:ph type="sldNum" idx="12"/>
+          </p:nvPr>
+        </p:nvSpPr>
+        <p:spPr/>
+        <p:txBody>
+          <a:bodyPr/>
+          <a:lstStyle/>
+          <a:p>
+            <a:pPr marL="0" lvl="0" indent="0" algn="r" rtl="0">
+              <a:spcBef>
+                <a:spcPts val="0"/>
+              </a:spcBef>
+              <a:spcAft>
+                <a:spcPts val="0"/>
+              </a:spcAft>
+              <a:buNone/>
+            </a:pPr>
+            <a:fld id="{00000000-1234-1234-1234-123412341234}" type="slidenum">
+              <a:rPr lang="en-US" smtClean="0"/>
+              <a:t>16</a:t>
+            </a:fld>
+            <a:endParaRPr lang="en-US"/>
+          </a:p>
+        </p:txBody>
+      </p:sp>
+    </p:spTree>
+    <p:extLst>
+      <p:ext uri="{BB962C8B-B14F-4D97-AF65-F5344CB8AC3E}">
+        <p14:creationId xmlns:p14="http://schemas.microsoft.com/office/powerpoint/2010/main" val="1427679040"/>
+      </p:ext>
+    </p:extLst>
+  </p:cSld>
+  <p:clrMapOvr>
+    <a:masterClrMapping/>
+  </p:clrMapOvr>
+</p:sld>
+</file>
+
+<file path=ppt/slides/slide17.xml><?xml version="1.0" encoding="utf-8"?>
+<p:sld xmlns:a="http://schemas.openxmlformats.org/drawingml/2006/main" xmlns:r="http://schemas.openxmlformats.org/officeDocument/2006/relationships" xmlns:p="http://schemas.openxmlformats.org/presentationml/2006/main">
+  <p:cSld>
+    <p:spTree>
+      <p:nvGrpSpPr>
+        <p:cNvPr id="1" name=""/>
+        <p:cNvGrpSpPr/>
+        <p:nvPr/>
+      </p:nvGrpSpPr>
+      <p:grpSpPr>
+        <a:xfrm>
+          <a:off x="0" y="0"/>
+          <a:ext cx="0" cy="0"/>
+          <a:chOff x="0" y="0"/>
+          <a:chExt cx="0" cy="0"/>
+        </a:xfrm>
+      </p:grpSpPr>
+      <p:sp>
+        <p:nvSpPr>
+          <p:cNvPr id="2" name="Title 1"/>
+          <p:cNvSpPr>
+            <a:spLocks noGrp="1"/>
+          </p:cNvSpPr>
+          <p:nvPr>
+            <p:ph type="title"/>
+          </p:nvPr>
+        </p:nvSpPr>
+        <p:spPr>
+          <a:xfrm>
+            <a:off x="782276" y="866274"/>
+            <a:ext cx="10668000" cy="1216025"/>
+          </a:xfrm>
+        </p:spPr>
+        <p:txBody>
+          <a:bodyPr/>
+          <a:lstStyle/>
+          <a:p>
+            <a:pPr lvl="0"/>
+            <a:r>
+              <a:rPr lang="en-IN" sz="4000" b="1" dirty="0">
+                <a:solidFill>
+                  <a:srgbClr val="FF0000"/>
+                </a:solidFill>
+              </a:rPr>
+              <a:t>Decrypting the File</a:t>
+            </a:r>
+            <a:br>
+              <a:rPr lang="en-IN" sz="4000" b="1" dirty="0">
+                <a:solidFill>
+                  <a:srgbClr val="FF0000"/>
+                </a:solidFill>
+              </a:rPr>
+            </a:br>
+            <a:endParaRPr lang="en-IN" b="1" dirty="0">
+              <a:solidFill>
+                <a:srgbClr val="FF0000"/>
+              </a:solidFill>
+            </a:endParaRPr>
+          </a:p>
+        </p:txBody>
+      </p:sp>
+      <p:sp>
+        <p:nvSpPr>
+          <p:cNvPr id="3" name="Text Placeholder 2"/>
+          <p:cNvSpPr>
+            <a:spLocks noGrp="1"/>
+          </p:cNvSpPr>
+          <p:nvPr>
+            <p:ph type="body" idx="1"/>
+          </p:nvPr>
+        </p:nvSpPr>
+        <p:spPr/>
+        <p:txBody>
+          <a:bodyPr/>
+          <a:lstStyle/>
+          <a:p>
+            <a:r>
+              <a:rPr lang="en-US" dirty="0"/>
+              <a:t>Recipient decrypts the file using their private key</a:t>
+            </a:r>
+            <a:r>
+              <a:rPr lang="en-US" dirty="0" smtClean="0"/>
+              <a:t>.</a:t>
+            </a:r>
+          </a:p>
+          <a:p>
+            <a:r>
+              <a:rPr lang="en-US" dirty="0" smtClean="0"/>
+              <a:t>The </a:t>
+            </a:r>
+            <a:r>
+              <a:rPr lang="en-US" dirty="0"/>
+              <a:t>original content is restored while ensuring data integrity</a:t>
+            </a:r>
+            <a:r>
+              <a:rPr lang="en-US" dirty="0" smtClean="0"/>
+              <a:t>.</a:t>
+            </a:r>
+          </a:p>
+          <a:p>
+            <a:r>
+              <a:rPr lang="en-US" dirty="0" smtClean="0"/>
+              <a:t>Verifies </a:t>
+            </a:r>
+            <a:r>
+              <a:rPr lang="en-US" dirty="0"/>
+              <a:t>the sender's signature for authentication.</a:t>
+            </a:r>
+            <a:endParaRPr lang="en-IN" dirty="0"/>
+          </a:p>
+        </p:txBody>
+      </p:sp>
+      <p:sp>
+        <p:nvSpPr>
+          <p:cNvPr id="4" name="Slide Number Placeholder 3"/>
+          <p:cNvSpPr>
+            <a:spLocks noGrp="1"/>
+          </p:cNvSpPr>
+          <p:nvPr>
+            <p:ph type="sldNum" idx="12"/>
+          </p:nvPr>
+        </p:nvSpPr>
+        <p:spPr/>
+        <p:txBody>
+          <a:bodyPr/>
+          <a:lstStyle/>
+          <a:p>
+            <a:pPr marL="0" lvl="0" indent="0" algn="r" rtl="0">
+              <a:spcBef>
+                <a:spcPts val="0"/>
+              </a:spcBef>
+              <a:spcAft>
+                <a:spcPts val="0"/>
+              </a:spcAft>
+              <a:buNone/>
+            </a:pPr>
+            <a:fld id="{00000000-1234-1234-1234-123412341234}" type="slidenum">
+              <a:rPr lang="en-US" smtClean="0"/>
+              <a:t>17</a:t>
+            </a:fld>
+            <a:endParaRPr lang="en-US"/>
+          </a:p>
+        </p:txBody>
+      </p:sp>
+    </p:spTree>
+    <p:extLst>
+      <p:ext uri="{BB962C8B-B14F-4D97-AF65-F5344CB8AC3E}">
+        <p14:creationId xmlns:p14="http://schemas.microsoft.com/office/powerpoint/2010/main" val="2539659933"/>
+      </p:ext>
+    </p:extLst>
+  </p:cSld>
+  <p:clrMapOvr>
+    <a:masterClrMapping/>
+  </p:clrMapOvr>
+</p:sld>
+</file>
+
+<file path=ppt/slides/slide18.xml><?xml version="1.0" encoding="utf-8"?>
+<p:sld xmlns:a="http://schemas.openxmlformats.org/drawingml/2006/main" xmlns:r="http://schemas.openxmlformats.org/officeDocument/2006/relationships" xmlns:p="http://schemas.openxmlformats.org/presentationml/2006/main">
+  <p:cSld>
+    <p:spTree>
+      <p:nvGrpSpPr>
+        <p:cNvPr id="1" name=""/>
+        <p:cNvGrpSpPr/>
+        <p:nvPr/>
+      </p:nvGrpSpPr>
+      <p:grpSpPr>
+        <a:xfrm>
+          <a:off x="0" y="0"/>
+          <a:ext cx="0" cy="0"/>
+          <a:chOff x="0" y="0"/>
+          <a:chExt cx="0" cy="0"/>
+        </a:xfrm>
+      </p:grpSpPr>
+      <p:sp>
+        <p:nvSpPr>
+          <p:cNvPr id="2" name="Title 1"/>
+          <p:cNvSpPr>
+            <a:spLocks noGrp="1"/>
+          </p:cNvSpPr>
+          <p:nvPr>
+            <p:ph type="title"/>
+          </p:nvPr>
+        </p:nvSpPr>
+        <p:spPr>
+          <a:xfrm>
+            <a:off x="734149" y="818148"/>
+            <a:ext cx="10668000" cy="1216025"/>
+          </a:xfrm>
+        </p:spPr>
+        <p:txBody>
+          <a:bodyPr/>
+          <a:lstStyle/>
+          <a:p>
+            <a:pPr lvl="0"/>
+            <a:r>
+              <a:rPr lang="en-IN" sz="4000" b="1" dirty="0">
+                <a:solidFill>
+                  <a:srgbClr val="FF0000"/>
+                </a:solidFill>
+              </a:rPr>
+              <a:t>Downloading the Decrypted File</a:t>
+            </a:r>
+            <a:br>
+              <a:rPr lang="en-IN" sz="4000" b="1" dirty="0">
+                <a:solidFill>
+                  <a:srgbClr val="FF0000"/>
+                </a:solidFill>
+              </a:rPr>
+            </a:br>
+            <a:endParaRPr lang="en-IN" b="1" dirty="0">
+              <a:solidFill>
+                <a:srgbClr val="FF0000"/>
+              </a:solidFill>
+            </a:endParaRPr>
+          </a:p>
+        </p:txBody>
+      </p:sp>
+      <p:sp>
+        <p:nvSpPr>
+          <p:cNvPr id="3" name="Text Placeholder 2"/>
+          <p:cNvSpPr>
+            <a:spLocks noGrp="1"/>
+          </p:cNvSpPr>
+          <p:nvPr>
+            <p:ph type="body" idx="1"/>
+          </p:nvPr>
+        </p:nvSpPr>
+        <p:spPr/>
+        <p:txBody>
+          <a:bodyPr/>
+          <a:lstStyle/>
+          <a:p>
+            <a:r>
+              <a:rPr lang="en-US" dirty="0"/>
+              <a:t>Successfully decrypted files are made available for download</a:t>
+            </a:r>
+            <a:r>
+              <a:rPr lang="en-US" dirty="0" smtClean="0"/>
+              <a:t>.</a:t>
+            </a:r>
+          </a:p>
+          <a:p>
+            <a:r>
+              <a:rPr lang="en-US" dirty="0" smtClean="0"/>
+              <a:t>Process </a:t>
+            </a:r>
+            <a:r>
+              <a:rPr lang="en-US" dirty="0"/>
+              <a:t>ensures a seamless and secure file exchange workflow.</a:t>
+            </a:r>
+            <a:endParaRPr lang="en-IN" dirty="0"/>
+          </a:p>
+        </p:txBody>
+      </p:sp>
+      <p:sp>
+        <p:nvSpPr>
+          <p:cNvPr id="4" name="Slide Number Placeholder 3"/>
+          <p:cNvSpPr>
+            <a:spLocks noGrp="1"/>
+          </p:cNvSpPr>
+          <p:nvPr>
+            <p:ph type="sldNum" idx="12"/>
+          </p:nvPr>
+        </p:nvSpPr>
+        <p:spPr/>
+        <p:txBody>
+          <a:bodyPr/>
+          <a:lstStyle/>
+          <a:p>
+            <a:pPr marL="0" lvl="0" indent="0" algn="r" rtl="0">
+              <a:spcBef>
+                <a:spcPts val="0"/>
+              </a:spcBef>
+              <a:spcAft>
+                <a:spcPts val="0"/>
+              </a:spcAft>
+              <a:buNone/>
+            </a:pPr>
+            <a:fld id="{00000000-1234-1234-1234-123412341234}" type="slidenum">
+              <a:rPr lang="en-US" smtClean="0"/>
+              <a:t>18</a:t>
+            </a:fld>
+            <a:endParaRPr lang="en-US"/>
+          </a:p>
+        </p:txBody>
+      </p:sp>
+    </p:spTree>
+    <p:extLst>
+      <p:ext uri="{BB962C8B-B14F-4D97-AF65-F5344CB8AC3E}">
+        <p14:creationId xmlns:p14="http://schemas.microsoft.com/office/powerpoint/2010/main" val="3495879076"/>
+      </p:ext>
+    </p:extLst>
+  </p:cSld>
+  <p:clrMapOvr>
+    <a:masterClrMapping/>
+  </p:clrMapOvr>
+</p:sld>
+</file>
+
+<file path=ppt/slides/slide19.xml><?xml version="1.0" encoding="utf-8"?>
 <p:sld xmlns:a="http://schemas.openxmlformats.org/drawingml/2006/main" xmlns:r="http://schemas.openxmlformats.org/officeDocument/2006/relationships" xmlns:p="http://schemas.openxmlformats.org/presentationml/2006/main">
   <p:cSld>
     <p:spTree>
@@ -18963,12 +19869,18 @@
           <a:lstStyle/>
           <a:p>
             <a:r>
-              <a:rPr lang="en-US" sz="4400" dirty="0">
+              <a:rPr lang="en-US" sz="4400" b="1" dirty="0">
+                <a:solidFill>
+                  <a:srgbClr val="FF0000"/>
+                </a:solidFill>
                 <a:latin typeface="Oswald Bold" charset="0"/>
               </a:rPr>
               <a:t>DFD Diagram Level 1</a:t>
             </a:r>
-            <a:endParaRPr lang="en-IN" sz="4400" dirty="0">
+            <a:endParaRPr lang="en-IN" sz="4400" b="1" dirty="0">
+              <a:solidFill>
+                <a:srgbClr val="FF0000"/>
+              </a:solidFill>
               <a:latin typeface="Oswald Bold" charset="0"/>
             </a:endParaRPr>
           </a:p>
@@ -19348,7 +20260,461 @@
 </p:sld>
 </file>
 
-<file path=ppt/slides/slide15.xml><?xml version="1.0" encoding="utf-8"?>
+<file path=ppt/slides/slide2.xml><?xml version="1.0" encoding="utf-8"?>
+<p:sld xmlns:a="http://schemas.openxmlformats.org/drawingml/2006/main" xmlns:r="http://schemas.openxmlformats.org/officeDocument/2006/relationships" xmlns:p="http://schemas.openxmlformats.org/presentationml/2006/main">
+  <p:cSld>
+    <p:bg>
+      <p:bgPr>
+        <a:blipFill rotWithShape="1">
+          <a:blip r:embed="rId3">
+            <a:alphaModFix/>
+          </a:blip>
+          <a:tile tx="0" ty="0" sx="100000" sy="100000" flip="none" algn="tl"/>
+        </a:blipFill>
+        <a:effectLst/>
+      </p:bgPr>
+    </p:bg>
+    <p:spTree>
+      <p:nvGrpSpPr>
+        <p:cNvPr id="1" name="Shape 100"/>
+        <p:cNvGrpSpPr/>
+        <p:nvPr/>
+      </p:nvGrpSpPr>
+      <p:grpSpPr>
+        <a:xfrm>
+          <a:off x="0" y="0"/>
+          <a:ext cx="0" cy="0"/>
+          <a:chOff x="0" y="0"/>
+          <a:chExt cx="0" cy="0"/>
+        </a:xfrm>
+      </p:grpSpPr>
+      <p:sp>
+        <p:nvSpPr>
+          <p:cNvPr id="101" name="Google Shape;101;p2"/>
+          <p:cNvSpPr txBox="1">
+            <a:spLocks noGrp="1"/>
+          </p:cNvSpPr>
+          <p:nvPr>
+            <p:ph type="title"/>
+          </p:nvPr>
+        </p:nvSpPr>
+        <p:spPr>
+          <a:xfrm>
+            <a:off x="766233" y="304801"/>
+            <a:ext cx="10668000" cy="1216025"/>
+          </a:xfrm>
+          <a:prstGeom prst="rect">
+            <a:avLst/>
+          </a:prstGeom>
+          <a:noFill/>
+          <a:ln>
+            <a:noFill/>
+          </a:ln>
+        </p:spPr>
+        <p:txBody>
+          <a:bodyPr spcFirstLastPara="1" wrap="square" lIns="91425" tIns="45700" rIns="91425" bIns="45700" anchor="b" anchorCtr="0">
+            <a:noAutofit/>
+          </a:bodyPr>
+          <a:lstStyle/>
+          <a:p>
+            <a:pPr marL="0" lvl="0" indent="0" algn="l" rtl="0">
+              <a:lnSpc>
+                <a:spcPct val="100000"/>
+              </a:lnSpc>
+              <a:spcBef>
+                <a:spcPts val="0"/>
+              </a:spcBef>
+              <a:spcAft>
+                <a:spcPts val="0"/>
+              </a:spcAft>
+              <a:buSzPts val="1400"/>
+              <a:buNone/>
+            </a:pPr>
+            <a:r>
+              <a:rPr lang="en-US" sz="3200" b="1" dirty="0">
+                <a:solidFill>
+                  <a:srgbClr val="FF0000"/>
+                </a:solidFill>
+              </a:rPr>
+              <a:t>Problem Statement and Motivation</a:t>
+            </a:r>
+            <a:endParaRPr sz="2800" dirty="0"/>
+          </a:p>
+        </p:txBody>
+      </p:sp>
+      <p:sp>
+        <p:nvSpPr>
+          <p:cNvPr id="102" name="Google Shape;102;p2"/>
+          <p:cNvSpPr txBox="1">
+            <a:spLocks noGrp="1"/>
+          </p:cNvSpPr>
+          <p:nvPr>
+            <p:ph type="body" idx="1"/>
+          </p:nvPr>
+        </p:nvSpPr>
+        <p:spPr>
+          <a:xfrm>
+            <a:off x="755651" y="1752600"/>
+            <a:ext cx="10668000" cy="4267200"/>
+          </a:xfrm>
+          <a:prstGeom prst="rect">
+            <a:avLst/>
+          </a:prstGeom>
+          <a:noFill/>
+          <a:ln>
+            <a:noFill/>
+          </a:ln>
+        </p:spPr>
+        <p:txBody>
+          <a:bodyPr spcFirstLastPara="1" wrap="square" lIns="91425" tIns="45700" rIns="91425" bIns="45700" anchor="t" anchorCtr="0">
+            <a:noAutofit/>
+          </a:bodyPr>
+          <a:lstStyle/>
+          <a:p>
+            <a:pPr marL="469900" lvl="0" indent="-469900" algn="just">
+              <a:spcBef>
+                <a:spcPts val="0"/>
+              </a:spcBef>
+              <a:buSzPts val="2400"/>
+            </a:pPr>
+            <a:r>
+              <a:rPr lang="en-US" sz="2400" dirty="0">
+                <a:latin typeface="Times New Roman" pitchFamily="18" charset="0"/>
+                <a:cs typeface="Times New Roman" pitchFamily="18" charset="0"/>
+              </a:rPr>
+              <a:t>Many existing systems lack robust encryption and integrity checks, making them vulnerable to unauthorized access, data manipulation, and breaches.</a:t>
+            </a:r>
+          </a:p>
+          <a:p>
+            <a:pPr marL="469900" lvl="0" indent="-469900" algn="just">
+              <a:spcBef>
+                <a:spcPts val="0"/>
+              </a:spcBef>
+              <a:buSzPts val="2400"/>
+            </a:pPr>
+            <a:endParaRPr sz="2400" dirty="0">
+              <a:latin typeface="Times New Roman" pitchFamily="18" charset="0"/>
+              <a:ea typeface="Times New Roman"/>
+              <a:cs typeface="Times New Roman" pitchFamily="18" charset="0"/>
+              <a:sym typeface="Times New Roman"/>
+            </a:endParaRPr>
+          </a:p>
+          <a:p>
+            <a:pPr marL="457200" lvl="0" indent="0" algn="just" rtl="0">
+              <a:lnSpc>
+                <a:spcPct val="100000"/>
+              </a:lnSpc>
+              <a:spcBef>
+                <a:spcPts val="0"/>
+              </a:spcBef>
+              <a:spcAft>
+                <a:spcPts val="0"/>
+              </a:spcAft>
+              <a:buSzPts val="1800"/>
+              <a:buNone/>
+            </a:pPr>
+            <a:r>
+              <a:rPr lang="en-US" sz="2400" b="1" dirty="0">
+                <a:solidFill>
+                  <a:srgbClr val="FF0000"/>
+                </a:solidFill>
+                <a:latin typeface="Times New Roman"/>
+                <a:ea typeface="Times New Roman"/>
+                <a:cs typeface="Times New Roman"/>
+                <a:sym typeface="Times New Roman"/>
+              </a:rPr>
+              <a:t>MOTIVATION:</a:t>
+            </a:r>
+            <a:endParaRPr sz="2400" b="1" dirty="0">
+              <a:solidFill>
+                <a:srgbClr val="FF0000"/>
+              </a:solidFill>
+              <a:latin typeface="Times New Roman"/>
+              <a:ea typeface="Times New Roman"/>
+              <a:cs typeface="Times New Roman"/>
+              <a:sym typeface="Times New Roman"/>
+            </a:endParaRPr>
+          </a:p>
+          <a:p>
+            <a:pPr marL="469900" lvl="0" indent="-469900" algn="just">
+              <a:spcBef>
+                <a:spcPts val="0"/>
+              </a:spcBef>
+              <a:buClr>
+                <a:schemeClr val="dk1"/>
+              </a:buClr>
+              <a:buSzPts val="2400"/>
+              <a:buFont typeface="Times New Roman"/>
+              <a:buChar char="□"/>
+            </a:pPr>
+            <a:r>
+              <a:rPr lang="en-US" sz="2400" dirty="0">
+                <a:latin typeface="Times New Roman" pitchFamily="18" charset="0"/>
+                <a:cs typeface="Times New Roman" pitchFamily="18" charset="0"/>
+              </a:rPr>
+              <a:t>Enhancing encryption and integrity measures is essential to protect sensitive data from evolving cyber threats and unauthorized access.</a:t>
+            </a:r>
+          </a:p>
+          <a:p>
+            <a:pPr marL="469900" lvl="0" indent="-469900" algn="just">
+              <a:spcBef>
+                <a:spcPts val="0"/>
+              </a:spcBef>
+              <a:buClr>
+                <a:schemeClr val="dk1"/>
+              </a:buClr>
+              <a:buSzPts val="2400"/>
+              <a:buFont typeface="Times New Roman"/>
+              <a:buChar char="□"/>
+            </a:pPr>
+            <a:endParaRPr lang="en-US" sz="2400" dirty="0">
+              <a:latin typeface="Times New Roman" pitchFamily="18" charset="0"/>
+              <a:cs typeface="Times New Roman" pitchFamily="18" charset="0"/>
+            </a:endParaRPr>
+          </a:p>
+          <a:p>
+            <a:pPr marL="469900" lvl="0" indent="-469900" algn="just">
+              <a:spcBef>
+                <a:spcPts val="0"/>
+              </a:spcBef>
+              <a:buClr>
+                <a:schemeClr val="dk1"/>
+              </a:buClr>
+              <a:buSzPts val="2400"/>
+              <a:buFont typeface="Times New Roman"/>
+              <a:buChar char="□"/>
+            </a:pPr>
+            <a:r>
+              <a:rPr lang="en-US" sz="2400" dirty="0">
+                <a:latin typeface="Times New Roman" pitchFamily="18" charset="0"/>
+                <a:cs typeface="Times New Roman" pitchFamily="18" charset="0"/>
+              </a:rPr>
+              <a:t>Strengthening data security will improve the reliability and trustworthiness of digital systems, ensuring users can operate with confidence.</a:t>
+            </a:r>
+            <a:endParaRPr sz="2400" dirty="0">
+              <a:latin typeface="Times New Roman" pitchFamily="18" charset="0"/>
+              <a:ea typeface="Times New Roman"/>
+              <a:cs typeface="Times New Roman" pitchFamily="18" charset="0"/>
+              <a:sym typeface="Times New Roman"/>
+            </a:endParaRPr>
+          </a:p>
+          <a:p>
+            <a:pPr marL="0" lvl="0" indent="0" algn="l" rtl="0">
+              <a:lnSpc>
+                <a:spcPct val="100000"/>
+              </a:lnSpc>
+              <a:spcBef>
+                <a:spcPts val="600"/>
+              </a:spcBef>
+              <a:spcAft>
+                <a:spcPts val="0"/>
+              </a:spcAft>
+              <a:buSzPts val="1800"/>
+              <a:buNone/>
+            </a:pPr>
+            <a:endParaRPr dirty="0"/>
+          </a:p>
+          <a:p>
+            <a:pPr marL="0" marR="0" lvl="0" indent="0" algn="l" rtl="0">
+              <a:lnSpc>
+                <a:spcPct val="100000"/>
+              </a:lnSpc>
+              <a:spcBef>
+                <a:spcPts val="0"/>
+              </a:spcBef>
+              <a:spcAft>
+                <a:spcPts val="0"/>
+              </a:spcAft>
+              <a:buSzPts val="1800"/>
+              <a:buNone/>
+            </a:pPr>
+            <a:endParaRPr sz="2800" b="0" i="0" u="none" strike="noStrike" cap="none" dirty="0">
+              <a:solidFill>
+                <a:srgbClr val="000000"/>
+              </a:solidFill>
+              <a:latin typeface="Verdana"/>
+              <a:ea typeface="Verdana"/>
+              <a:cs typeface="Verdana"/>
+              <a:sym typeface="Verdana"/>
+            </a:endParaRPr>
+          </a:p>
+          <a:p>
+            <a:pPr marL="0" lvl="0" indent="0" algn="l" rtl="0">
+              <a:lnSpc>
+                <a:spcPct val="100000"/>
+              </a:lnSpc>
+              <a:spcBef>
+                <a:spcPts val="600"/>
+              </a:spcBef>
+              <a:spcAft>
+                <a:spcPts val="0"/>
+              </a:spcAft>
+              <a:buSzPts val="3000"/>
+              <a:buNone/>
+            </a:pPr>
+            <a:endParaRPr dirty="0"/>
+          </a:p>
+        </p:txBody>
+      </p:sp>
+      <p:sp>
+        <p:nvSpPr>
+          <p:cNvPr id="103" name="Google Shape;103;p2"/>
+          <p:cNvSpPr txBox="1">
+            <a:spLocks noGrp="1"/>
+          </p:cNvSpPr>
+          <p:nvPr>
+            <p:ph type="dt" idx="10"/>
+          </p:nvPr>
+        </p:nvSpPr>
+        <p:spPr>
+          <a:xfrm>
+            <a:off x="812800" y="6245225"/>
+            <a:ext cx="2641600" cy="476250"/>
+          </a:xfrm>
+          <a:prstGeom prst="rect">
+            <a:avLst/>
+          </a:prstGeom>
+          <a:noFill/>
+          <a:ln>
+            <a:noFill/>
+          </a:ln>
+        </p:spPr>
+        <p:txBody>
+          <a:bodyPr spcFirstLastPara="1" wrap="square" lIns="91425" tIns="45700" rIns="91425" bIns="45700" anchor="t" anchorCtr="0">
+            <a:noAutofit/>
+          </a:bodyPr>
+          <a:lstStyle/>
+          <a:p>
+            <a:pPr marL="0" lvl="0" indent="0" algn="l" rtl="0">
+              <a:lnSpc>
+                <a:spcPct val="100000"/>
+              </a:lnSpc>
+              <a:spcBef>
+                <a:spcPts val="0"/>
+              </a:spcBef>
+              <a:spcAft>
+                <a:spcPts val="0"/>
+              </a:spcAft>
+              <a:buSzPts val="1400"/>
+              <a:buNone/>
+            </a:pPr>
+            <a:r>
+              <a:rPr lang="en-US"/>
+              <a:t>First Review</a:t>
+            </a:r>
+            <a:endParaRPr/>
+          </a:p>
+        </p:txBody>
+      </p:sp>
+      <p:sp>
+        <p:nvSpPr>
+          <p:cNvPr id="104" name="Google Shape;104;p2"/>
+          <p:cNvSpPr txBox="1">
+            <a:spLocks noGrp="1"/>
+          </p:cNvSpPr>
+          <p:nvPr>
+            <p:ph type="ftr" idx="11"/>
+          </p:nvPr>
+        </p:nvSpPr>
+        <p:spPr>
+          <a:xfrm>
+            <a:off x="4165600" y="6245225"/>
+            <a:ext cx="3860800" cy="476250"/>
+          </a:xfrm>
+          <a:prstGeom prst="rect">
+            <a:avLst/>
+          </a:prstGeom>
+          <a:noFill/>
+          <a:ln>
+            <a:noFill/>
+          </a:ln>
+        </p:spPr>
+        <p:txBody>
+          <a:bodyPr spcFirstLastPara="1" wrap="square" lIns="91425" tIns="45700" rIns="91425" bIns="45700" anchor="t" anchorCtr="0">
+            <a:noAutofit/>
+          </a:bodyPr>
+          <a:lstStyle/>
+          <a:p>
+            <a:pPr marL="0" lvl="0" indent="0" algn="ctr" rtl="0">
+              <a:lnSpc>
+                <a:spcPct val="100000"/>
+              </a:lnSpc>
+              <a:spcBef>
+                <a:spcPts val="0"/>
+              </a:spcBef>
+              <a:spcAft>
+                <a:spcPts val="0"/>
+              </a:spcAft>
+              <a:buSzPts val="1400"/>
+              <a:buNone/>
+            </a:pPr>
+            <a:r>
+              <a:rPr lang="en-US"/>
+              <a:t>Department of Artificial Intelligence and Data Science</a:t>
+            </a:r>
+            <a:endParaRPr/>
+          </a:p>
+        </p:txBody>
+      </p:sp>
+      <p:sp>
+        <p:nvSpPr>
+          <p:cNvPr id="105" name="Google Shape;105;p2"/>
+          <p:cNvSpPr txBox="1">
+            <a:spLocks noGrp="1"/>
+          </p:cNvSpPr>
+          <p:nvPr>
+            <p:ph type="sldNum" idx="12"/>
+          </p:nvPr>
+        </p:nvSpPr>
+        <p:spPr>
+          <a:xfrm>
+            <a:off x="8737600" y="6245225"/>
+            <a:ext cx="2641600" cy="476250"/>
+          </a:xfrm>
+          <a:prstGeom prst="rect">
+            <a:avLst/>
+          </a:prstGeom>
+          <a:noFill/>
+          <a:ln>
+            <a:noFill/>
+          </a:ln>
+        </p:spPr>
+        <p:txBody>
+          <a:bodyPr spcFirstLastPara="1" wrap="square" lIns="91425" tIns="45700" rIns="91425" bIns="45700" anchor="t" anchorCtr="0">
+            <a:noAutofit/>
+          </a:bodyPr>
+          <a:lstStyle/>
+          <a:p>
+            <a:pPr marL="0" lvl="0" indent="0" algn="r" rtl="0">
+              <a:lnSpc>
+                <a:spcPct val="100000"/>
+              </a:lnSpc>
+              <a:spcBef>
+                <a:spcPts val="0"/>
+              </a:spcBef>
+              <a:spcAft>
+                <a:spcPts val="0"/>
+              </a:spcAft>
+              <a:buSzPts val="1200"/>
+              <a:buNone/>
+            </a:pPr>
+            <a:fld id="{00000000-1234-1234-1234-123412341234}" type="slidenum">
+              <a:rPr lang="en-US"/>
+              <a:t>2</a:t>
+            </a:fld>
+            <a:endParaRPr/>
+          </a:p>
+        </p:txBody>
+      </p:sp>
+    </p:spTree>
+  </p:cSld>
+  <p:clrMapOvr>
+    <a:masterClrMapping/>
+  </p:clrMapOvr>
+</p:sld>
+</file>
+
+<file path=ppt/slides/slide20.xml><?xml version="1.0" encoding="utf-8"?>
 <p:sld xmlns:a="http://schemas.openxmlformats.org/drawingml/2006/main" xmlns:r="http://schemas.openxmlformats.org/officeDocument/2006/relationships" xmlns:p="http://schemas.openxmlformats.org/presentationml/2006/main">
   <p:cSld>
     <p:spTree>
@@ -19406,7 +20772,7 @@
             </a:pPr>
             <a:fld id="{00000000-1234-1234-1234-123412341234}" type="slidenum">
               <a:rPr lang="en-US"/>
-              <a:t>15</a:t>
+              <a:t>20</a:t>
             </a:fld>
             <a:endParaRPr/>
           </a:p>
@@ -19447,9 +20813,9 @@
               <a:buNone/>
             </a:pPr>
             <a:r>
-              <a:rPr lang="en-US" sz="3800">
+              <a:rPr lang="en-US" sz="3800" b="1" dirty="0">
                 <a:solidFill>
-                  <a:schemeClr val="dk1"/>
+                  <a:srgbClr val="FF0000"/>
                 </a:solidFill>
                 <a:latin typeface="Verdana"/>
                 <a:ea typeface="Verdana"/>
@@ -19458,9 +20824,9 @@
               </a:rPr>
               <a:t>Outputs</a:t>
             </a:r>
-            <a:endParaRPr sz="3800">
+            <a:endParaRPr sz="3800" b="1" dirty="0">
               <a:solidFill>
-                <a:schemeClr val="dk1"/>
+                <a:srgbClr val="FF0000"/>
               </a:solidFill>
               <a:latin typeface="Verdana"/>
               <a:ea typeface="Verdana"/>
@@ -19603,7 +20969,154 @@
 </p:sld>
 </file>
 
-<file path=ppt/slides/slide16.xml><?xml version="1.0" encoding="utf-8"?>
+<file path=ppt/slides/slide21.xml><?xml version="1.0" encoding="utf-8"?>
+<p:sld xmlns:a="http://schemas.openxmlformats.org/drawingml/2006/main" xmlns:r="http://schemas.openxmlformats.org/officeDocument/2006/relationships" xmlns:p="http://schemas.openxmlformats.org/presentationml/2006/main">
+  <p:cSld>
+    <p:spTree>
+      <p:nvGrpSpPr>
+        <p:cNvPr id="1" name=""/>
+        <p:cNvGrpSpPr/>
+        <p:nvPr/>
+      </p:nvGrpSpPr>
+      <p:grpSpPr>
+        <a:xfrm>
+          <a:off x="0" y="0"/>
+          <a:ext cx="0" cy="0"/>
+          <a:chOff x="0" y="0"/>
+          <a:chExt cx="0" cy="0"/>
+        </a:xfrm>
+      </p:grpSpPr>
+      <p:sp>
+        <p:nvSpPr>
+          <p:cNvPr id="2" name="Title 1"/>
+          <p:cNvSpPr>
+            <a:spLocks noGrp="1"/>
+          </p:cNvSpPr>
+          <p:nvPr>
+            <p:ph type="title"/>
+          </p:nvPr>
+        </p:nvSpPr>
+        <p:spPr/>
+        <p:txBody>
+          <a:bodyPr/>
+          <a:lstStyle/>
+          <a:p>
+            <a:r>
+              <a:rPr lang="en-US" b="1" dirty="0" smtClean="0">
+                <a:solidFill>
+                  <a:srgbClr val="FF0000"/>
+                </a:solidFill>
+              </a:rPr>
+              <a:t>Results</a:t>
+            </a:r>
+            <a:endParaRPr lang="en-IN" b="1" dirty="0">
+              <a:solidFill>
+                <a:srgbClr val="FF0000"/>
+              </a:solidFill>
+            </a:endParaRPr>
+          </a:p>
+        </p:txBody>
+      </p:sp>
+      <p:sp>
+        <p:nvSpPr>
+          <p:cNvPr id="3" name="Text Placeholder 2"/>
+          <p:cNvSpPr>
+            <a:spLocks noGrp="1"/>
+          </p:cNvSpPr>
+          <p:nvPr>
+            <p:ph type="body" idx="1"/>
+          </p:nvPr>
+        </p:nvSpPr>
+        <p:spPr/>
+        <p:txBody>
+          <a:bodyPr/>
+          <a:lstStyle/>
+          <a:p>
+            <a:r>
+              <a:rPr lang="en-IN" b="1" dirty="0"/>
+              <a:t>Seamless Operations</a:t>
+            </a:r>
+            <a:r>
+              <a:rPr lang="en-IN" dirty="0"/>
+              <a:t>: Implemented key generation, encryption, signing, decryption, and verification for secure file </a:t>
+            </a:r>
+            <a:r>
+              <a:rPr lang="en-IN" dirty="0" smtClean="0"/>
+              <a:t>exchange.</a:t>
+            </a:r>
+          </a:p>
+          <a:p>
+            <a:r>
+              <a:rPr lang="en-IN" b="1" dirty="0" smtClean="0"/>
+              <a:t>Robust Security</a:t>
+            </a:r>
+            <a:r>
+              <a:rPr lang="en-IN" dirty="0"/>
+              <a:t>: Used 4096-bit RSA encryption and digital signatures for data integrity and authenticity</a:t>
+            </a:r>
+            <a:r>
+              <a:rPr lang="en-IN" dirty="0" smtClean="0"/>
+              <a:t>.</a:t>
+            </a:r>
+          </a:p>
+          <a:p>
+            <a:r>
+              <a:rPr lang="en-IN" b="1" dirty="0" smtClean="0"/>
+              <a:t>User-Friendly</a:t>
+            </a:r>
+            <a:r>
+              <a:rPr lang="en-IN" dirty="0"/>
+              <a:t>: Intuitive web interface simplifies cryptographic processes for all users.</a:t>
+            </a:r>
+          </a:p>
+        </p:txBody>
+      </p:sp>
+      <p:sp>
+        <p:nvSpPr>
+          <p:cNvPr id="4" name="Slide Number Placeholder 3"/>
+          <p:cNvSpPr>
+            <a:spLocks noGrp="1"/>
+          </p:cNvSpPr>
+          <p:nvPr>
+            <p:ph type="sldNum" idx="12"/>
+          </p:nvPr>
+        </p:nvSpPr>
+        <p:spPr/>
+        <p:txBody>
+          <a:bodyPr/>
+          <a:lstStyle/>
+          <a:p>
+            <a:pPr marL="0" lvl="0" indent="0" algn="r" rtl="0">
+              <a:spcBef>
+                <a:spcPts val="0"/>
+              </a:spcBef>
+              <a:spcAft>
+                <a:spcPts val="0"/>
+              </a:spcAft>
+              <a:buNone/>
+            </a:pPr>
+            <a:fld id="{00000000-1234-1234-1234-123412341234}" type="slidenum">
+              <a:rPr lang="en-US" smtClean="0"/>
+              <a:t>21</a:t>
+            </a:fld>
+            <a:endParaRPr lang="en-US"/>
+          </a:p>
+        </p:txBody>
+      </p:sp>
+    </p:spTree>
+    <p:extLst>
+      <p:ext uri="{BB962C8B-B14F-4D97-AF65-F5344CB8AC3E}">
+        <p14:creationId xmlns:p14="http://schemas.microsoft.com/office/powerpoint/2010/main" val="1059934841"/>
+      </p:ext>
+    </p:extLst>
+  </p:cSld>
+  <p:clrMapOvr>
+    <a:masterClrMapping/>
+  </p:clrMapOvr>
+</p:sld>
+</file>
+
+<file path=ppt/slides/slide22.xml><?xml version="1.0" encoding="utf-8"?>
 <p:sld xmlns:a="http://schemas.openxmlformats.org/drawingml/2006/main" xmlns:r="http://schemas.openxmlformats.org/officeDocument/2006/relationships" xmlns:p="http://schemas.openxmlformats.org/presentationml/2006/main">
   <p:cSld>
     <p:spTree>
@@ -19661,7 +21174,7 @@
             </a:pPr>
             <a:fld id="{00000000-1234-1234-1234-123412341234}" type="slidenum">
               <a:rPr lang="en-US"/>
-              <a:t>16</a:t>
+              <a:t>22</a:t>
             </a:fld>
             <a:endParaRPr/>
           </a:p>
@@ -19675,8 +21188,8 @@
         </p:nvSpPr>
         <p:spPr>
           <a:xfrm>
-            <a:off x="872075" y="578400"/>
-            <a:ext cx="5004000" cy="804900"/>
+            <a:off x="872074" y="646247"/>
+            <a:ext cx="6475209" cy="804900"/>
           </a:xfrm>
           <a:prstGeom prst="rect">
             <a:avLst/>
@@ -19692,26 +21205,14 @@
           </a:bodyPr>
           <a:lstStyle/>
           <a:p>
-            <a:pPr marL="0" lvl="0" indent="0" algn="l" rtl="0">
-              <a:spcBef>
-                <a:spcPts val="0"/>
-              </a:spcBef>
-              <a:spcAft>
-                <a:spcPts val="0"/>
-              </a:spcAft>
-              <a:buNone/>
-            </a:pPr>
+            <a:pPr lvl="0"/>
             <a:r>
-              <a:rPr lang="en-US" sz="3600" dirty="0">
+              <a:rPr lang="en-US" sz="3600" b="1" dirty="0">
                 <a:solidFill>
-                  <a:schemeClr val="dk1"/>
+                  <a:srgbClr val="FF0000"/>
                 </a:solidFill>
-                <a:latin typeface="Verdana"/>
-                <a:ea typeface="Verdana"/>
-                <a:cs typeface="Verdana"/>
-                <a:sym typeface="Verdana"/>
               </a:rPr>
-              <a:t>Analysis</a:t>
+              <a:t>Comparison and Analysis </a:t>
             </a:r>
             <a:endParaRPr sz="3600" dirty="0">
               <a:solidFill>
@@ -19939,7 +21440,154 @@
 </p:sld>
 </file>
 
-<file path=ppt/slides/slide17.xml><?xml version="1.0" encoding="utf-8"?>
+<file path=ppt/slides/slide23.xml><?xml version="1.0" encoding="utf-8"?>
+<p:sld xmlns:a="http://schemas.openxmlformats.org/drawingml/2006/main" xmlns:r="http://schemas.openxmlformats.org/officeDocument/2006/relationships" xmlns:p="http://schemas.openxmlformats.org/presentationml/2006/main">
+  <p:cSld>
+    <p:spTree>
+      <p:nvGrpSpPr>
+        <p:cNvPr id="1" name=""/>
+        <p:cNvGrpSpPr/>
+        <p:nvPr/>
+      </p:nvGrpSpPr>
+      <p:grpSpPr>
+        <a:xfrm>
+          <a:off x="0" y="0"/>
+          <a:ext cx="0" cy="0"/>
+          <a:chOff x="0" y="0"/>
+          <a:chExt cx="0" cy="0"/>
+        </a:xfrm>
+      </p:grpSpPr>
+      <p:sp>
+        <p:nvSpPr>
+          <p:cNvPr id="2" name="Title 1"/>
+          <p:cNvSpPr>
+            <a:spLocks noGrp="1"/>
+          </p:cNvSpPr>
+          <p:nvPr>
+            <p:ph type="title"/>
+          </p:nvPr>
+        </p:nvSpPr>
+        <p:spPr/>
+        <p:txBody>
+          <a:bodyPr/>
+          <a:lstStyle/>
+          <a:p>
+            <a:r>
+              <a:rPr lang="en-US" b="1" dirty="0" smtClean="0">
+                <a:solidFill>
+                  <a:srgbClr val="FF0000"/>
+                </a:solidFill>
+              </a:rPr>
+              <a:t>Conclusion</a:t>
+            </a:r>
+            <a:endParaRPr lang="en-IN" dirty="0">
+              <a:solidFill>
+                <a:srgbClr val="FF0000"/>
+              </a:solidFill>
+            </a:endParaRPr>
+          </a:p>
+        </p:txBody>
+      </p:sp>
+      <p:sp>
+        <p:nvSpPr>
+          <p:cNvPr id="3" name="Text Placeholder 2"/>
+          <p:cNvSpPr>
+            <a:spLocks noGrp="1"/>
+          </p:cNvSpPr>
+          <p:nvPr>
+            <p:ph type="body" idx="1"/>
+          </p:nvPr>
+        </p:nvSpPr>
+        <p:spPr/>
+        <p:txBody>
+          <a:bodyPr/>
+          <a:lstStyle/>
+          <a:p>
+            <a:r>
+              <a:rPr lang="en-US" dirty="0" smtClean="0"/>
+              <a:t>Simplified </a:t>
+            </a:r>
+            <a:r>
+              <a:rPr lang="en-US" dirty="0"/>
+              <a:t>complex cryptographic processes with a user-friendly interface.</a:t>
+            </a:r>
+          </a:p>
+          <a:p>
+            <a:r>
+              <a:rPr lang="en-US" dirty="0"/>
+              <a:t>Ensured robust data security through 4096-bit RSA encryption and digital signatures.</a:t>
+            </a:r>
+          </a:p>
+          <a:p>
+            <a:r>
+              <a:rPr lang="en-US" dirty="0"/>
+              <a:t>Practical solution for secure file exchange, adaptable for real-world use cases</a:t>
+            </a:r>
+            <a:r>
+              <a:rPr lang="en-US" dirty="0" smtClean="0"/>
+              <a:t>.</a:t>
+            </a:r>
+          </a:p>
+          <a:p>
+            <a:r>
+              <a:rPr lang="en-US" dirty="0"/>
+              <a:t>Successfully developed a secure and efficient cryptographic web application.</a:t>
+            </a:r>
+          </a:p>
+          <a:p>
+            <a:endParaRPr lang="en-US" dirty="0"/>
+          </a:p>
+          <a:p>
+            <a:endParaRPr lang="en-IN" dirty="0"/>
+          </a:p>
+        </p:txBody>
+      </p:sp>
+      <p:sp>
+        <p:nvSpPr>
+          <p:cNvPr id="4" name="Slide Number Placeholder 3"/>
+          <p:cNvSpPr>
+            <a:spLocks noGrp="1"/>
+          </p:cNvSpPr>
+          <p:nvPr>
+            <p:ph type="sldNum" idx="12"/>
+          </p:nvPr>
+        </p:nvSpPr>
+        <p:spPr/>
+        <p:txBody>
+          <a:bodyPr/>
+          <a:lstStyle/>
+          <a:p>
+            <a:pPr marL="0" lvl="0" indent="0" algn="r" rtl="0">
+              <a:spcBef>
+                <a:spcPts val="0"/>
+              </a:spcBef>
+              <a:spcAft>
+                <a:spcPts val="0"/>
+              </a:spcAft>
+              <a:buNone/>
+            </a:pPr>
+            <a:fld id="{00000000-1234-1234-1234-123412341234}" type="slidenum">
+              <a:rPr lang="en-US" smtClean="0"/>
+              <a:t>23</a:t>
+            </a:fld>
+            <a:endParaRPr lang="en-US"/>
+          </a:p>
+        </p:txBody>
+      </p:sp>
+    </p:spTree>
+    <p:extLst>
+      <p:ext uri="{BB962C8B-B14F-4D97-AF65-F5344CB8AC3E}">
+        <p14:creationId xmlns:p14="http://schemas.microsoft.com/office/powerpoint/2010/main" val="185944662"/>
+      </p:ext>
+    </p:extLst>
+  </p:cSld>
+  <p:clrMapOvr>
+    <a:masterClrMapping/>
+  </p:clrMapOvr>
+</p:sld>
+</file>
+
+<file path=ppt/slides/slide24.xml><?xml version="1.0" encoding="utf-8"?>
 <p:sld xmlns:a="http://schemas.openxmlformats.org/drawingml/2006/main" xmlns:r="http://schemas.openxmlformats.org/officeDocument/2006/relationships" xmlns:p="http://schemas.openxmlformats.org/presentationml/2006/main">
   <p:cSld>
     <p:spTree>
@@ -19999,8 +21647,12 @@
               <a:buNone/>
             </a:pPr>
             <a:r>
-              <a:rPr lang="en-US" dirty="0"/>
-              <a:t>References.</a:t>
+              <a:rPr lang="en-US" b="1" dirty="0" smtClean="0">
+                <a:solidFill>
+                  <a:srgbClr val="FF0000"/>
+                </a:solidFill>
+              </a:rPr>
+              <a:t>References</a:t>
             </a:r>
             <a:endParaRPr dirty="0"/>
           </a:p>
@@ -20492,7 +22144,7 @@
             </a:pPr>
             <a:fld id="{00000000-1234-1234-1234-123412341234}" type="slidenum">
               <a:rPr lang="en-US"/>
-              <a:t>17</a:t>
+              <a:t>24</a:t>
             </a:fld>
             <a:endParaRPr/>
           </a:p>
@@ -20506,7 +22158,7 @@
 </p:sld>
 </file>
 
-<file path=ppt/slides/slide18.xml><?xml version="1.0" encoding="utf-8"?>
+<file path=ppt/slides/slide25.xml><?xml version="1.0" encoding="utf-8"?>
 <p:sld xmlns:a="http://schemas.openxmlformats.org/drawingml/2006/main" xmlns:r="http://schemas.openxmlformats.org/officeDocument/2006/relationships" xmlns:p="http://schemas.openxmlformats.org/presentationml/2006/main">
   <p:cSld>
     <p:spTree>
@@ -20671,7 +22323,7 @@
             </a:pPr>
             <a:fld id="{00000000-1234-1234-1234-123412341234}" type="slidenum">
               <a:rPr lang="en-US"/>
-              <a:t>18</a:t>
+              <a:t>25</a:t>
             </a:fld>
             <a:endParaRPr/>
           </a:p>
@@ -20723,460 +22375,6 @@
               <a:rPr lang="en-US"/>
               <a:t>First Review</a:t>
             </a:r>
-            <a:endParaRPr/>
-          </a:p>
-        </p:txBody>
-      </p:sp>
-    </p:spTree>
-  </p:cSld>
-  <p:clrMapOvr>
-    <a:masterClrMapping/>
-  </p:clrMapOvr>
-</p:sld>
-</file>
-
-<file path=ppt/slides/slide2.xml><?xml version="1.0" encoding="utf-8"?>
-<p:sld xmlns:a="http://schemas.openxmlformats.org/drawingml/2006/main" xmlns:r="http://schemas.openxmlformats.org/officeDocument/2006/relationships" xmlns:p="http://schemas.openxmlformats.org/presentationml/2006/main">
-  <p:cSld>
-    <p:bg>
-      <p:bgPr>
-        <a:blipFill rotWithShape="1">
-          <a:blip r:embed="rId3">
-            <a:alphaModFix/>
-          </a:blip>
-          <a:tile tx="0" ty="0" sx="100000" sy="100000" flip="none" algn="tl"/>
-        </a:blipFill>
-        <a:effectLst/>
-      </p:bgPr>
-    </p:bg>
-    <p:spTree>
-      <p:nvGrpSpPr>
-        <p:cNvPr id="1" name="Shape 100"/>
-        <p:cNvGrpSpPr/>
-        <p:nvPr/>
-      </p:nvGrpSpPr>
-      <p:grpSpPr>
-        <a:xfrm>
-          <a:off x="0" y="0"/>
-          <a:ext cx="0" cy="0"/>
-          <a:chOff x="0" y="0"/>
-          <a:chExt cx="0" cy="0"/>
-        </a:xfrm>
-      </p:grpSpPr>
-      <p:sp>
-        <p:nvSpPr>
-          <p:cNvPr id="101" name="Google Shape;101;p2"/>
-          <p:cNvSpPr txBox="1">
-            <a:spLocks noGrp="1"/>
-          </p:cNvSpPr>
-          <p:nvPr>
-            <p:ph type="title"/>
-          </p:nvPr>
-        </p:nvSpPr>
-        <p:spPr>
-          <a:xfrm>
-            <a:off x="766233" y="304801"/>
-            <a:ext cx="10668000" cy="1216025"/>
-          </a:xfrm>
-          <a:prstGeom prst="rect">
-            <a:avLst/>
-          </a:prstGeom>
-          <a:noFill/>
-          <a:ln>
-            <a:noFill/>
-          </a:ln>
-        </p:spPr>
-        <p:txBody>
-          <a:bodyPr spcFirstLastPara="1" wrap="square" lIns="91425" tIns="45700" rIns="91425" bIns="45700" anchor="b" anchorCtr="0">
-            <a:noAutofit/>
-          </a:bodyPr>
-          <a:lstStyle/>
-          <a:p>
-            <a:pPr marL="0" lvl="0" indent="0" algn="l" rtl="0">
-              <a:lnSpc>
-                <a:spcPct val="100000"/>
-              </a:lnSpc>
-              <a:spcBef>
-                <a:spcPts val="0"/>
-              </a:spcBef>
-              <a:spcAft>
-                <a:spcPts val="0"/>
-              </a:spcAft>
-              <a:buSzPts val="1400"/>
-              <a:buNone/>
-            </a:pPr>
-            <a:r>
-              <a:rPr lang="en-US" sz="3200" b="1" dirty="0">
-                <a:solidFill>
-                  <a:srgbClr val="FF0000"/>
-                </a:solidFill>
-              </a:rPr>
-              <a:t>Problem Statement and Motivation</a:t>
-            </a:r>
-            <a:endParaRPr sz="2800" dirty="0"/>
-          </a:p>
-        </p:txBody>
-      </p:sp>
-      <p:sp>
-        <p:nvSpPr>
-          <p:cNvPr id="102" name="Google Shape;102;p2"/>
-          <p:cNvSpPr txBox="1">
-            <a:spLocks noGrp="1"/>
-          </p:cNvSpPr>
-          <p:nvPr>
-            <p:ph type="body" idx="1"/>
-          </p:nvPr>
-        </p:nvSpPr>
-        <p:spPr>
-          <a:xfrm>
-            <a:off x="755651" y="1752600"/>
-            <a:ext cx="10668000" cy="4267200"/>
-          </a:xfrm>
-          <a:prstGeom prst="rect">
-            <a:avLst/>
-          </a:prstGeom>
-          <a:noFill/>
-          <a:ln>
-            <a:noFill/>
-          </a:ln>
-        </p:spPr>
-        <p:txBody>
-          <a:bodyPr spcFirstLastPara="1" wrap="square" lIns="91425" tIns="45700" rIns="91425" bIns="45700" anchor="t" anchorCtr="0">
-            <a:noAutofit/>
-          </a:bodyPr>
-          <a:lstStyle/>
-          <a:p>
-            <a:pPr marL="469900" lvl="0" indent="-469900" algn="just">
-              <a:spcBef>
-                <a:spcPts val="0"/>
-              </a:spcBef>
-              <a:buSzPts val="2400"/>
-            </a:pPr>
-            <a:r>
-              <a:rPr lang="en-US" sz="2400" dirty="0">
-                <a:latin typeface="Times New Roman" pitchFamily="18" charset="0"/>
-                <a:cs typeface="Times New Roman" pitchFamily="18" charset="0"/>
-              </a:rPr>
-              <a:t>Many existing systems lack robust encryption and integrity checks, making them vulnerable to unauthorized access, data manipulation, and breaches.</a:t>
-            </a:r>
-          </a:p>
-          <a:p>
-            <a:pPr marL="469900" lvl="0" indent="-469900" algn="just">
-              <a:spcBef>
-                <a:spcPts val="0"/>
-              </a:spcBef>
-              <a:buSzPts val="2400"/>
-            </a:pPr>
-            <a:endParaRPr sz="2400" dirty="0">
-              <a:latin typeface="Times New Roman" pitchFamily="18" charset="0"/>
-              <a:ea typeface="Times New Roman"/>
-              <a:cs typeface="Times New Roman" pitchFamily="18" charset="0"/>
-              <a:sym typeface="Times New Roman"/>
-            </a:endParaRPr>
-          </a:p>
-          <a:p>
-            <a:pPr marL="457200" lvl="0" indent="0" algn="just" rtl="0">
-              <a:lnSpc>
-                <a:spcPct val="100000"/>
-              </a:lnSpc>
-              <a:spcBef>
-                <a:spcPts val="0"/>
-              </a:spcBef>
-              <a:spcAft>
-                <a:spcPts val="0"/>
-              </a:spcAft>
-              <a:buSzPts val="1800"/>
-              <a:buNone/>
-            </a:pPr>
-            <a:r>
-              <a:rPr lang="en-US" sz="2400" b="1" dirty="0">
-                <a:solidFill>
-                  <a:srgbClr val="FF0000"/>
-                </a:solidFill>
-                <a:latin typeface="Times New Roman"/>
-                <a:ea typeface="Times New Roman"/>
-                <a:cs typeface="Times New Roman"/>
-                <a:sym typeface="Times New Roman"/>
-              </a:rPr>
-              <a:t>MOTIVATION:</a:t>
-            </a:r>
-            <a:endParaRPr sz="2400" b="1" dirty="0">
-              <a:solidFill>
-                <a:srgbClr val="FF0000"/>
-              </a:solidFill>
-              <a:latin typeface="Times New Roman"/>
-              <a:ea typeface="Times New Roman"/>
-              <a:cs typeface="Times New Roman"/>
-              <a:sym typeface="Times New Roman"/>
-            </a:endParaRPr>
-          </a:p>
-          <a:p>
-            <a:pPr marL="469900" lvl="0" indent="-469900" algn="just">
-              <a:spcBef>
-                <a:spcPts val="0"/>
-              </a:spcBef>
-              <a:buClr>
-                <a:schemeClr val="dk1"/>
-              </a:buClr>
-              <a:buSzPts val="2400"/>
-              <a:buFont typeface="Times New Roman"/>
-              <a:buChar char="□"/>
-            </a:pPr>
-            <a:r>
-              <a:rPr lang="en-US" sz="2400" dirty="0">
-                <a:latin typeface="Times New Roman" pitchFamily="18" charset="0"/>
-                <a:cs typeface="Times New Roman" pitchFamily="18" charset="0"/>
-              </a:rPr>
-              <a:t>Enhancing encryption and integrity measures is essential to protect sensitive data from evolving cyber threats and unauthorized access.</a:t>
-            </a:r>
-          </a:p>
-          <a:p>
-            <a:pPr marL="469900" lvl="0" indent="-469900" algn="just">
-              <a:spcBef>
-                <a:spcPts val="0"/>
-              </a:spcBef>
-              <a:buClr>
-                <a:schemeClr val="dk1"/>
-              </a:buClr>
-              <a:buSzPts val="2400"/>
-              <a:buFont typeface="Times New Roman"/>
-              <a:buChar char="□"/>
-            </a:pPr>
-            <a:endParaRPr lang="en-US" sz="2400" dirty="0">
-              <a:latin typeface="Times New Roman" pitchFamily="18" charset="0"/>
-              <a:cs typeface="Times New Roman" pitchFamily="18" charset="0"/>
-            </a:endParaRPr>
-          </a:p>
-          <a:p>
-            <a:pPr marL="469900" lvl="0" indent="-469900" algn="just">
-              <a:spcBef>
-                <a:spcPts val="0"/>
-              </a:spcBef>
-              <a:buClr>
-                <a:schemeClr val="dk1"/>
-              </a:buClr>
-              <a:buSzPts val="2400"/>
-              <a:buFont typeface="Times New Roman"/>
-              <a:buChar char="□"/>
-            </a:pPr>
-            <a:r>
-              <a:rPr lang="en-US" sz="2400" dirty="0">
-                <a:latin typeface="Times New Roman" pitchFamily="18" charset="0"/>
-                <a:cs typeface="Times New Roman" pitchFamily="18" charset="0"/>
-              </a:rPr>
-              <a:t>Strengthening data security will improve the reliability and trustworthiness of digital systems, ensuring users can operate with confidence.</a:t>
-            </a:r>
-            <a:endParaRPr sz="2400" dirty="0">
-              <a:latin typeface="Times New Roman" pitchFamily="18" charset="0"/>
-              <a:ea typeface="Times New Roman"/>
-              <a:cs typeface="Times New Roman" pitchFamily="18" charset="0"/>
-              <a:sym typeface="Times New Roman"/>
-            </a:endParaRPr>
-          </a:p>
-          <a:p>
-            <a:pPr marL="0" lvl="0" indent="0" algn="l" rtl="0">
-              <a:lnSpc>
-                <a:spcPct val="100000"/>
-              </a:lnSpc>
-              <a:spcBef>
-                <a:spcPts val="600"/>
-              </a:spcBef>
-              <a:spcAft>
-                <a:spcPts val="0"/>
-              </a:spcAft>
-              <a:buSzPts val="1800"/>
-              <a:buNone/>
-            </a:pPr>
-            <a:endParaRPr dirty="0"/>
-          </a:p>
-          <a:p>
-            <a:pPr marL="0" marR="0" lvl="0" indent="0" algn="l" rtl="0">
-              <a:lnSpc>
-                <a:spcPct val="100000"/>
-              </a:lnSpc>
-              <a:spcBef>
-                <a:spcPts val="0"/>
-              </a:spcBef>
-              <a:spcAft>
-                <a:spcPts val="0"/>
-              </a:spcAft>
-              <a:buSzPts val="1800"/>
-              <a:buNone/>
-            </a:pPr>
-            <a:endParaRPr sz="2800" b="0" i="0" u="none" strike="noStrike" cap="none" dirty="0">
-              <a:solidFill>
-                <a:srgbClr val="000000"/>
-              </a:solidFill>
-              <a:latin typeface="Verdana"/>
-              <a:ea typeface="Verdana"/>
-              <a:cs typeface="Verdana"/>
-              <a:sym typeface="Verdana"/>
-            </a:endParaRPr>
-          </a:p>
-          <a:p>
-            <a:pPr marL="0" lvl="0" indent="0" algn="l" rtl="0">
-              <a:lnSpc>
-                <a:spcPct val="100000"/>
-              </a:lnSpc>
-              <a:spcBef>
-                <a:spcPts val="600"/>
-              </a:spcBef>
-              <a:spcAft>
-                <a:spcPts val="0"/>
-              </a:spcAft>
-              <a:buSzPts val="3000"/>
-              <a:buNone/>
-            </a:pPr>
-            <a:endParaRPr dirty="0"/>
-          </a:p>
-        </p:txBody>
-      </p:sp>
-      <p:sp>
-        <p:nvSpPr>
-          <p:cNvPr id="103" name="Google Shape;103;p2"/>
-          <p:cNvSpPr txBox="1">
-            <a:spLocks noGrp="1"/>
-          </p:cNvSpPr>
-          <p:nvPr>
-            <p:ph type="dt" idx="10"/>
-          </p:nvPr>
-        </p:nvSpPr>
-        <p:spPr>
-          <a:xfrm>
-            <a:off x="812800" y="6245225"/>
-            <a:ext cx="2641600" cy="476250"/>
-          </a:xfrm>
-          <a:prstGeom prst="rect">
-            <a:avLst/>
-          </a:prstGeom>
-          <a:noFill/>
-          <a:ln>
-            <a:noFill/>
-          </a:ln>
-        </p:spPr>
-        <p:txBody>
-          <a:bodyPr spcFirstLastPara="1" wrap="square" lIns="91425" tIns="45700" rIns="91425" bIns="45700" anchor="t" anchorCtr="0">
-            <a:noAutofit/>
-          </a:bodyPr>
-          <a:lstStyle/>
-          <a:p>
-            <a:pPr marL="0" lvl="0" indent="0" algn="l" rtl="0">
-              <a:lnSpc>
-                <a:spcPct val="100000"/>
-              </a:lnSpc>
-              <a:spcBef>
-                <a:spcPts val="0"/>
-              </a:spcBef>
-              <a:spcAft>
-                <a:spcPts val="0"/>
-              </a:spcAft>
-              <a:buSzPts val="1400"/>
-              <a:buNone/>
-            </a:pPr>
-            <a:r>
-              <a:rPr lang="en-US"/>
-              <a:t>First Review</a:t>
-            </a:r>
-            <a:endParaRPr/>
-          </a:p>
-        </p:txBody>
-      </p:sp>
-      <p:sp>
-        <p:nvSpPr>
-          <p:cNvPr id="104" name="Google Shape;104;p2"/>
-          <p:cNvSpPr txBox="1">
-            <a:spLocks noGrp="1"/>
-          </p:cNvSpPr>
-          <p:nvPr>
-            <p:ph type="ftr" idx="11"/>
-          </p:nvPr>
-        </p:nvSpPr>
-        <p:spPr>
-          <a:xfrm>
-            <a:off x="4165600" y="6245225"/>
-            <a:ext cx="3860800" cy="476250"/>
-          </a:xfrm>
-          <a:prstGeom prst="rect">
-            <a:avLst/>
-          </a:prstGeom>
-          <a:noFill/>
-          <a:ln>
-            <a:noFill/>
-          </a:ln>
-        </p:spPr>
-        <p:txBody>
-          <a:bodyPr spcFirstLastPara="1" wrap="square" lIns="91425" tIns="45700" rIns="91425" bIns="45700" anchor="t" anchorCtr="0">
-            <a:noAutofit/>
-          </a:bodyPr>
-          <a:lstStyle/>
-          <a:p>
-            <a:pPr marL="0" lvl="0" indent="0" algn="ctr" rtl="0">
-              <a:lnSpc>
-                <a:spcPct val="100000"/>
-              </a:lnSpc>
-              <a:spcBef>
-                <a:spcPts val="0"/>
-              </a:spcBef>
-              <a:spcAft>
-                <a:spcPts val="0"/>
-              </a:spcAft>
-              <a:buSzPts val="1400"/>
-              <a:buNone/>
-            </a:pPr>
-            <a:r>
-              <a:rPr lang="en-US"/>
-              <a:t>Department of Artificial Intelligence and Data Science</a:t>
-            </a:r>
-            <a:endParaRPr/>
-          </a:p>
-        </p:txBody>
-      </p:sp>
-      <p:sp>
-        <p:nvSpPr>
-          <p:cNvPr id="105" name="Google Shape;105;p2"/>
-          <p:cNvSpPr txBox="1">
-            <a:spLocks noGrp="1"/>
-          </p:cNvSpPr>
-          <p:nvPr>
-            <p:ph type="sldNum" idx="12"/>
-          </p:nvPr>
-        </p:nvSpPr>
-        <p:spPr>
-          <a:xfrm>
-            <a:off x="8737600" y="6245225"/>
-            <a:ext cx="2641600" cy="476250"/>
-          </a:xfrm>
-          <a:prstGeom prst="rect">
-            <a:avLst/>
-          </a:prstGeom>
-          <a:noFill/>
-          <a:ln>
-            <a:noFill/>
-          </a:ln>
-        </p:spPr>
-        <p:txBody>
-          <a:bodyPr spcFirstLastPara="1" wrap="square" lIns="91425" tIns="45700" rIns="91425" bIns="45700" anchor="t" anchorCtr="0">
-            <a:noAutofit/>
-          </a:bodyPr>
-          <a:lstStyle/>
-          <a:p>
-            <a:pPr marL="0" lvl="0" indent="0" algn="r" rtl="0">
-              <a:lnSpc>
-                <a:spcPct val="100000"/>
-              </a:lnSpc>
-              <a:spcBef>
-                <a:spcPts val="0"/>
-              </a:spcBef>
-              <a:spcAft>
-                <a:spcPts val="0"/>
-              </a:spcAft>
-              <a:buSzPts val="1200"/>
-              <a:buNone/>
-            </a:pPr>
-            <a:fld id="{00000000-1234-1234-1234-123412341234}" type="slidenum">
-              <a:rPr lang="en-US"/>
-              <a:t>2</a:t>
-            </a:fld>
             <a:endParaRPr/>
           </a:p>
         </p:txBody>
@@ -21498,6 +22696,10 @@
               <a:buFont typeface="Arial"/>
               <a:buNone/>
             </a:pPr>
+            <a:r>
+              <a:rPr lang="en-US" sz="2400" dirty="0"/>
+              <a:t/>
+            </a:r>
             <a:br>
               <a:rPr lang="en-US" sz="2400" dirty="0"/>
             </a:br>
@@ -21778,14 +22980,14 @@
               <a:buNone/>
             </a:pPr>
             <a:r>
-              <a:rPr lang="en-US" sz="3200" b="1">
+              <a:rPr lang="en-US" sz="3200" b="1" dirty="0">
                 <a:solidFill>
                   <a:srgbClr val="FF0000"/>
                 </a:solidFill>
               </a:rPr>
               <a:t>Abstract</a:t>
             </a:r>
-            <a:endParaRPr sz="2800"/>
+            <a:endParaRPr sz="2800" dirty="0"/>
           </a:p>
         </p:txBody>
       </p:sp>
@@ -22103,10 +23305,26 @@
               <a:buNone/>
             </a:pPr>
             <a:r>
-              <a:rPr lang="en-US" dirty="0"/>
-              <a:t> Introduction and Overview of the Project</a:t>
+              <a:rPr lang="en-US" b="1" dirty="0" smtClean="0">
+                <a:solidFill>
+                  <a:srgbClr val="FF0000"/>
+                </a:solidFill>
+              </a:rPr>
+              <a:t>Introduction </a:t>
             </a:r>
-            <a:endParaRPr dirty="0"/>
+            <a:r>
+              <a:rPr lang="en-US" b="1" dirty="0">
+                <a:solidFill>
+                  <a:srgbClr val="FF0000"/>
+                </a:solidFill>
+              </a:rPr>
+              <a:t>and Overview of the Project</a:t>
+            </a:r>
+            <a:endParaRPr b="1" dirty="0">
+              <a:solidFill>
+                <a:srgbClr val="FF0000"/>
+              </a:solidFill>
+            </a:endParaRPr>
           </a:p>
         </p:txBody>
       </p:sp>
@@ -22363,7 +23581,7 @@
           <p:cNvPr id="2" name="Title 1">
             <a:extLst>
               <a:ext uri="{FF2B5EF4-FFF2-40B4-BE49-F238E27FC236}">
-                <a16:creationId xmlns:a16="http://schemas.microsoft.com/office/drawing/2014/main" id="{A5503D60-4372-37F3-3592-59953EBD9CE6}"/>
+                <a16:creationId xmlns:a16="http://schemas.microsoft.com/office/drawing/2014/main" xmlns="" id="{A5503D60-4372-37F3-3592-59953EBD9CE6}"/>
               </a:ext>
             </a:extLst>
           </p:cNvPr>
@@ -22400,7 +23618,7 @@
           <p:cNvPr id="4" name="Slide Number Placeholder 3">
             <a:extLst>
               <a:ext uri="{FF2B5EF4-FFF2-40B4-BE49-F238E27FC236}">
-                <a16:creationId xmlns:a16="http://schemas.microsoft.com/office/drawing/2014/main" id="{A674D535-62AE-ADC4-5230-CFBBDF08D6AA}"/>
+                <a16:creationId xmlns:a16="http://schemas.microsoft.com/office/drawing/2014/main" xmlns="" id="{A674D535-62AE-ADC4-5230-CFBBDF08D6AA}"/>
               </a:ext>
             </a:extLst>
           </p:cNvPr>
@@ -22438,7 +23656,7 @@
           <p:cNvPr id="5" name="Rectangle 4">
             <a:extLst>
               <a:ext uri="{FF2B5EF4-FFF2-40B4-BE49-F238E27FC236}">
-                <a16:creationId xmlns:a16="http://schemas.microsoft.com/office/drawing/2014/main" id="{E2337BDD-422C-A694-2BB0-D5C77E1B3D96}"/>
+                <a16:creationId xmlns:a16="http://schemas.microsoft.com/office/drawing/2014/main" xmlns="" id="{E2337BDD-422C-A694-2BB0-D5C77E1B3D96}"/>
               </a:ext>
             </a:extLst>
           </p:cNvPr>
@@ -22474,7 +23692,7 @@
           <a:p>
             <a:pPr algn="ctr"/>
             <a:r>
-              <a:rPr lang="en-IN" sz="3800" dirty="0">
+              <a:rPr lang="en-IN" sz="3800" b="1" dirty="0">
                 <a:solidFill>
                   <a:srgbClr val="FF0000"/>
                 </a:solidFill>
@@ -22544,35 +23762,35 @@
                 <a:gridCol w="1320800">
                   <a:extLst>
                     <a:ext uri="{9D8B030D-6E8A-4147-A177-3AD203B41FA5}">
-                      <a16:colId xmlns:a16="http://schemas.microsoft.com/office/drawing/2014/main" val="20000"/>
+                      <a16:colId xmlns:a16="http://schemas.microsoft.com/office/drawing/2014/main" xmlns="" val="20000"/>
                     </a:ext>
                   </a:extLst>
                 </a:gridCol>
                 <a:gridCol w="2184400">
                   <a:extLst>
                     <a:ext uri="{9D8B030D-6E8A-4147-A177-3AD203B41FA5}">
-                      <a16:colId xmlns:a16="http://schemas.microsoft.com/office/drawing/2014/main" val="20001"/>
+                      <a16:colId xmlns:a16="http://schemas.microsoft.com/office/drawing/2014/main" xmlns="" val="20001"/>
                     </a:ext>
                   </a:extLst>
                 </a:gridCol>
                 <a:gridCol w="1625600">
                   <a:extLst>
                     <a:ext uri="{9D8B030D-6E8A-4147-A177-3AD203B41FA5}">
-                      <a16:colId xmlns:a16="http://schemas.microsoft.com/office/drawing/2014/main" val="20002"/>
+                      <a16:colId xmlns:a16="http://schemas.microsoft.com/office/drawing/2014/main" xmlns="" val="20002"/>
                     </a:ext>
                   </a:extLst>
                 </a:gridCol>
                 <a:gridCol w="3352800">
                   <a:extLst>
                     <a:ext uri="{9D8B030D-6E8A-4147-A177-3AD203B41FA5}">
-                      <a16:colId xmlns:a16="http://schemas.microsoft.com/office/drawing/2014/main" val="20003"/>
+                      <a16:colId xmlns:a16="http://schemas.microsoft.com/office/drawing/2014/main" xmlns="" val="20003"/>
                     </a:ext>
                   </a:extLst>
                 </a:gridCol>
                 <a:gridCol w="2895600">
                   <a:extLst>
                     <a:ext uri="{9D8B030D-6E8A-4147-A177-3AD203B41FA5}">
-                      <a16:colId xmlns:a16="http://schemas.microsoft.com/office/drawing/2014/main" val="20004"/>
+                      <a16:colId xmlns:a16="http://schemas.microsoft.com/office/drawing/2014/main" xmlns="" val="20004"/>
                     </a:ext>
                   </a:extLst>
                 </a:gridCol>
@@ -22705,7 +23923,7 @@
                 </a:tc>
                 <a:extLst>
                   <a:ext uri="{0D108BD9-81ED-4DB2-BD59-A6C34878D82A}">
-                    <a16:rowId xmlns:a16="http://schemas.microsoft.com/office/drawing/2014/main" val="10000"/>
+                    <a16:rowId xmlns:a16="http://schemas.microsoft.com/office/drawing/2014/main" xmlns="" val="10000"/>
                   </a:ext>
                 </a:extLst>
               </a:tr>
@@ -22819,7 +24037,7 @@
                 </a:tc>
                 <a:extLst>
                   <a:ext uri="{0D108BD9-81ED-4DB2-BD59-A6C34878D82A}">
-                    <a16:rowId xmlns:a16="http://schemas.microsoft.com/office/drawing/2014/main" val="10001"/>
+                    <a16:rowId xmlns:a16="http://schemas.microsoft.com/office/drawing/2014/main" xmlns="" val="10001"/>
                   </a:ext>
                 </a:extLst>
               </a:tr>
@@ -22918,7 +24136,7 @@
                 </a:tc>
                 <a:extLst>
                   <a:ext uri="{0D108BD9-81ED-4DB2-BD59-A6C34878D82A}">
-                    <a16:rowId xmlns:a16="http://schemas.microsoft.com/office/drawing/2014/main" val="10002"/>
+                    <a16:rowId xmlns:a16="http://schemas.microsoft.com/office/drawing/2014/main" xmlns="" val="10002"/>
                   </a:ext>
                 </a:extLst>
               </a:tr>
@@ -23011,7 +24229,7 @@
                 </a:tc>
                 <a:extLst>
                   <a:ext uri="{0D108BD9-81ED-4DB2-BD59-A6C34878D82A}">
-                    <a16:rowId xmlns:a16="http://schemas.microsoft.com/office/drawing/2014/main" val="10003"/>
+                    <a16:rowId xmlns:a16="http://schemas.microsoft.com/office/drawing/2014/main" xmlns="" val="10003"/>
                   </a:ext>
                 </a:extLst>
               </a:tr>
@@ -23104,7 +24322,7 @@
                 </a:tc>
                 <a:extLst>
                   <a:ext uri="{0D108BD9-81ED-4DB2-BD59-A6C34878D82A}">
-                    <a16:rowId xmlns:a16="http://schemas.microsoft.com/office/drawing/2014/main" val="10004"/>
+                    <a16:rowId xmlns:a16="http://schemas.microsoft.com/office/drawing/2014/main" xmlns="" val="10004"/>
                   </a:ext>
                 </a:extLst>
               </a:tr>
@@ -23170,35 +24388,35 @@
                 <a:gridCol w="1320800">
                   <a:extLst>
                     <a:ext uri="{9D8B030D-6E8A-4147-A177-3AD203B41FA5}">
-                      <a16:colId xmlns:a16="http://schemas.microsoft.com/office/drawing/2014/main" val="20000"/>
+                      <a16:colId xmlns:a16="http://schemas.microsoft.com/office/drawing/2014/main" xmlns="" val="20000"/>
                     </a:ext>
                   </a:extLst>
                 </a:gridCol>
                 <a:gridCol w="2184400">
                   <a:extLst>
                     <a:ext uri="{9D8B030D-6E8A-4147-A177-3AD203B41FA5}">
-                      <a16:colId xmlns:a16="http://schemas.microsoft.com/office/drawing/2014/main" val="20001"/>
+                      <a16:colId xmlns:a16="http://schemas.microsoft.com/office/drawing/2014/main" xmlns="" val="20001"/>
                     </a:ext>
                   </a:extLst>
                 </a:gridCol>
                 <a:gridCol w="1625600">
                   <a:extLst>
                     <a:ext uri="{9D8B030D-6E8A-4147-A177-3AD203B41FA5}">
-                      <a16:colId xmlns:a16="http://schemas.microsoft.com/office/drawing/2014/main" val="20002"/>
+                      <a16:colId xmlns:a16="http://schemas.microsoft.com/office/drawing/2014/main" xmlns="" val="20002"/>
                     </a:ext>
                   </a:extLst>
                 </a:gridCol>
                 <a:gridCol w="3352800">
                   <a:extLst>
                     <a:ext uri="{9D8B030D-6E8A-4147-A177-3AD203B41FA5}">
-                      <a16:colId xmlns:a16="http://schemas.microsoft.com/office/drawing/2014/main" val="20003"/>
+                      <a16:colId xmlns:a16="http://schemas.microsoft.com/office/drawing/2014/main" xmlns="" val="20003"/>
                     </a:ext>
                   </a:extLst>
                 </a:gridCol>
                 <a:gridCol w="2895600">
                   <a:extLst>
                     <a:ext uri="{9D8B030D-6E8A-4147-A177-3AD203B41FA5}">
-                      <a16:colId xmlns:a16="http://schemas.microsoft.com/office/drawing/2014/main" val="20004"/>
+                      <a16:colId xmlns:a16="http://schemas.microsoft.com/office/drawing/2014/main" xmlns="" val="20004"/>
                     </a:ext>
                   </a:extLst>
                 </a:gridCol>
@@ -23331,7 +24549,7 @@
                 </a:tc>
                 <a:extLst>
                   <a:ext uri="{0D108BD9-81ED-4DB2-BD59-A6C34878D82A}">
-                    <a16:rowId xmlns:a16="http://schemas.microsoft.com/office/drawing/2014/main" val="10000"/>
+                    <a16:rowId xmlns:a16="http://schemas.microsoft.com/office/drawing/2014/main" xmlns="" val="10000"/>
                   </a:ext>
                 </a:extLst>
               </a:tr>
@@ -23430,7 +24648,7 @@
                 </a:tc>
                 <a:extLst>
                   <a:ext uri="{0D108BD9-81ED-4DB2-BD59-A6C34878D82A}">
-                    <a16:rowId xmlns:a16="http://schemas.microsoft.com/office/drawing/2014/main" val="10001"/>
+                    <a16:rowId xmlns:a16="http://schemas.microsoft.com/office/drawing/2014/main" xmlns="" val="10001"/>
                   </a:ext>
                 </a:extLst>
               </a:tr>
@@ -23529,7 +24747,7 @@
                 </a:tc>
                 <a:extLst>
                   <a:ext uri="{0D108BD9-81ED-4DB2-BD59-A6C34878D82A}">
-                    <a16:rowId xmlns:a16="http://schemas.microsoft.com/office/drawing/2014/main" val="10002"/>
+                    <a16:rowId xmlns:a16="http://schemas.microsoft.com/office/drawing/2014/main" xmlns="" val="10002"/>
                   </a:ext>
                 </a:extLst>
               </a:tr>
@@ -23625,7 +24843,7 @@
                 </a:tc>
                 <a:extLst>
                   <a:ext uri="{0D108BD9-81ED-4DB2-BD59-A6C34878D82A}">
-                    <a16:rowId xmlns:a16="http://schemas.microsoft.com/office/drawing/2014/main" val="10003"/>
+                    <a16:rowId xmlns:a16="http://schemas.microsoft.com/office/drawing/2014/main" xmlns="" val="10003"/>
                   </a:ext>
                 </a:extLst>
               </a:tr>
@@ -23724,7 +24942,7 @@
                 </a:tc>
                 <a:extLst>
                   <a:ext uri="{0D108BD9-81ED-4DB2-BD59-A6C34878D82A}">
-                    <a16:rowId xmlns:a16="http://schemas.microsoft.com/office/drawing/2014/main" val="10004"/>
+                    <a16:rowId xmlns:a16="http://schemas.microsoft.com/office/drawing/2014/main" xmlns="" val="10004"/>
                   </a:ext>
                 </a:extLst>
               </a:tr>
@@ -23816,14 +25034,14 @@
               <a:buNone/>
             </a:pPr>
             <a:r>
-              <a:rPr lang="en-US" dirty="0">
+              <a:rPr lang="en-US" b="1" dirty="0">
                 <a:solidFill>
                   <a:srgbClr val="FF0000"/>
                 </a:solidFill>
               </a:rPr>
               <a:t>Existing System</a:t>
             </a:r>
-            <a:endParaRPr dirty="0">
+            <a:endParaRPr b="1" dirty="0">
               <a:solidFill>
                 <a:srgbClr val="FF0000"/>
               </a:solidFill>
